--- a/seminars/seminar02/Seminar02.pptx
+++ b/seminars/seminar02/Seminar02.pptx
@@ -5,15 +5,18 @@
     <p:sldMasterId id="2147483648" r:id="rId1"/>
   </p:sldMasterIdLst>
   <p:notesMasterIdLst>
-    <p:notesMasterId r:id="rId8"/>
+    <p:notesMasterId r:id="rId11"/>
   </p:notesMasterIdLst>
   <p:sldIdLst>
     <p:sldId id="256" r:id="rId2"/>
-    <p:sldId id="271" r:id="rId3"/>
-    <p:sldId id="267" r:id="rId4"/>
-    <p:sldId id="270" r:id="rId5"/>
-    <p:sldId id="264" r:id="rId6"/>
-    <p:sldId id="263" r:id="rId7"/>
+    <p:sldId id="267" r:id="rId3"/>
+    <p:sldId id="272" r:id="rId4"/>
+    <p:sldId id="274" r:id="rId5"/>
+    <p:sldId id="275" r:id="rId6"/>
+    <p:sldId id="276" r:id="rId7"/>
+    <p:sldId id="277" r:id="rId8"/>
+    <p:sldId id="264" r:id="rId9"/>
+    <p:sldId id="263" r:id="rId10"/>
   </p:sldIdLst>
   <p:sldSz cx="24384000" cy="13716000"/>
   <p:notesSz cx="6858000" cy="9144000"/>
@@ -397,7 +400,7 @@
     </p:spTree>
     <p:extLst>
       <p:ext uri="{BB962C8B-B14F-4D97-AF65-F5344CB8AC3E}">
-        <p14:creationId xmlns="" xmlns:p14="http://schemas.microsoft.com/office/powerpoint/2010/main" val="1166211256"/>
+        <p14:creationId xmlns:p14="http://schemas.microsoft.com/office/powerpoint/2010/main" xmlns="" val="1166211256"/>
       </p:ext>
     </p:extLst>
   </p:cSld>
@@ -2096,7 +2099,7 @@
           </a:ln>
           <a:extLst>
             <a:ext uri="{C572A759-6A51-4108-AA02-DFA0A04FC94B}">
-              <ma14:wrappingTextBoxFlag xmlns:ma14="http://schemas.microsoft.com/office/mac/drawingml/2011/main" xmlns:a14="http://schemas.microsoft.com/office/drawing/2010/main" xmlns:m="http://schemas.openxmlformats.org/officeDocument/2006/math" xmlns="" val="1"/>
+              <ma14:wrappingTextBoxFlag xmlns="" xmlns:m="http://schemas.openxmlformats.org/officeDocument/2006/math" xmlns:a14="http://schemas.microsoft.com/office/drawing/2010/main" xmlns:ma14="http://schemas.microsoft.com/office/mac/drawingml/2011/main" val="1"/>
             </a:ext>
           </a:extLst>
         </p:spPr>
@@ -2135,7 +2138,7 @@
           </a:ln>
           <a:extLst>
             <a:ext uri="{C572A759-6A51-4108-AA02-DFA0A04FC94B}">
-              <ma14:wrappingTextBoxFlag xmlns:ma14="http://schemas.microsoft.com/office/mac/drawingml/2011/main" xmlns:a14="http://schemas.microsoft.com/office/drawing/2010/main" xmlns:m="http://schemas.openxmlformats.org/officeDocument/2006/math" xmlns="" val="1"/>
+              <ma14:wrappingTextBoxFlag xmlns="" xmlns:m="http://schemas.openxmlformats.org/officeDocument/2006/math" xmlns:a14="http://schemas.microsoft.com/office/drawing/2010/main" xmlns:ma14="http://schemas.microsoft.com/office/mac/drawingml/2011/main" val="1"/>
             </a:ext>
           </a:extLst>
         </p:spPr>
@@ -3096,7 +3099,7 @@
           </a:ln>
           <a:extLst>
             <a:ext uri="{C572A759-6A51-4108-AA02-DFA0A04FC94B}">
-              <ma14:wrappingTextBoxFlag xmlns:ma14="http://schemas.microsoft.com/office/mac/drawingml/2011/main" xmlns:a14="http://schemas.microsoft.com/office/drawing/2010/main" xmlns:m="http://schemas.openxmlformats.org/officeDocument/2006/math" xmlns="" val="1"/>
+              <ma14:wrappingTextBoxFlag xmlns="" xmlns:m="http://schemas.openxmlformats.org/officeDocument/2006/math" xmlns:a14="http://schemas.microsoft.com/office/drawing/2010/main" xmlns:ma14="http://schemas.microsoft.com/office/mac/drawingml/2011/main" val="1"/>
             </a:ext>
           </a:extLst>
         </p:spPr>
@@ -3150,7 +3153,7 @@
           </a:ln>
           <a:extLst>
             <a:ext uri="{C572A759-6A51-4108-AA02-DFA0A04FC94B}">
-              <ma14:wrappingTextBoxFlag xmlns:ma14="http://schemas.microsoft.com/office/mac/drawingml/2011/main" xmlns:a14="http://schemas.microsoft.com/office/drawing/2010/main" xmlns:m="http://schemas.openxmlformats.org/officeDocument/2006/math" xmlns="" val="1"/>
+              <ma14:wrappingTextBoxFlag xmlns="" xmlns:m="http://schemas.openxmlformats.org/officeDocument/2006/math" xmlns:a14="http://schemas.microsoft.com/office/drawing/2010/main" xmlns:ma14="http://schemas.microsoft.com/office/mac/drawingml/2011/main" val="1"/>
             </a:ext>
           </a:extLst>
         </p:spPr>
@@ -3177,7 +3180,7 @@
                   <a:srgbClr val="002060"/>
                 </a:solidFill>
               </a:rPr>
-              <a:t>Семинар </a:t>
+              <a:t>Семинар 2: Инспекции </a:t>
             </a:r>
             <a:r>
               <a:rPr lang="ru-RU" sz="6000" dirty="0" smtClean="0">
@@ -3185,23 +3188,7 @@
                   <a:srgbClr val="002060"/>
                 </a:solidFill>
               </a:rPr>
-              <a:t>2: Инспекции кода (</a:t>
-            </a:r>
-            <a:r>
-              <a:rPr lang="en-US" sz="6000" smtClean="0">
-                <a:solidFill>
-                  <a:srgbClr val="002060"/>
-                </a:solidFill>
-              </a:rPr>
-              <a:t>TODO</a:t>
-            </a:r>
-            <a:r>
-              <a:rPr lang="ru-RU" sz="6000" smtClean="0">
-                <a:solidFill>
-                  <a:srgbClr val="002060"/>
-                </a:solidFill>
-              </a:rPr>
-              <a:t>)</a:t>
+              <a:t>кода</a:t>
             </a:r>
             <a:endParaRPr sz="6000" dirty="0">
               <a:solidFill>
@@ -3230,7 +3217,7 @@
           </a:ln>
           <a:extLst>
             <a:ext uri="{C572A759-6A51-4108-AA02-DFA0A04FC94B}">
-              <ma14:wrappingTextBoxFlag xmlns:ma14="http://schemas.microsoft.com/office/mac/drawingml/2011/main" xmlns:a14="http://schemas.microsoft.com/office/drawing/2010/main" xmlns:m="http://schemas.openxmlformats.org/officeDocument/2006/math" xmlns="" val="1"/>
+              <ma14:wrappingTextBoxFlag xmlns="" xmlns:m="http://schemas.openxmlformats.org/officeDocument/2006/math" xmlns:a14="http://schemas.microsoft.com/office/drawing/2010/main" xmlns:ma14="http://schemas.microsoft.com/office/mac/drawingml/2011/main" val="1"/>
             </a:ext>
           </a:extLst>
         </p:spPr>
@@ -3309,7 +3296,7 @@
           </a:ln>
           <a:extLst>
             <a:ext uri="{C572A759-6A51-4108-AA02-DFA0A04FC94B}">
-              <ma14:wrappingTextBoxFlag xmlns:ma14="http://schemas.microsoft.com/office/mac/drawingml/2011/main" xmlns:a14="http://schemas.microsoft.com/office/drawing/2010/main" xmlns:m="http://schemas.openxmlformats.org/officeDocument/2006/math" xmlns="" val="1"/>
+              <ma14:wrappingTextBoxFlag xmlns="" xmlns:m="http://schemas.openxmlformats.org/officeDocument/2006/math" xmlns:a14="http://schemas.microsoft.com/office/drawing/2010/main" xmlns:ma14="http://schemas.microsoft.com/office/mac/drawingml/2011/main" val="1"/>
             </a:ext>
           </a:extLst>
         </p:spPr>
@@ -3475,7 +3462,7 @@
         <p:spPr>
           <a:xfrm>
             <a:off x="1209448" y="2972787"/>
-            <a:ext cx="21351703" cy="1580958"/>
+            <a:ext cx="21423711" cy="1580958"/>
           </a:xfrm>
           <a:prstGeom prst="rect">
             <a:avLst/>
@@ -3485,7 +3472,7 @@
           </a:ln>
           <a:extLst>
             <a:ext uri="{C572A759-6A51-4108-AA02-DFA0A04FC94B}">
-              <ma14:wrappingTextBoxFlag xmlns:ma14="http://schemas.microsoft.com/office/mac/drawingml/2011/main" xmlns:a14="http://schemas.microsoft.com/office/drawing/2010/main" xmlns:m="http://schemas.openxmlformats.org/officeDocument/2006/math" xmlns="" val="1"/>
+              <ma14:wrappingTextBoxFlag xmlns="" xmlns:m="http://schemas.openxmlformats.org/officeDocument/2006/math" xmlns:a14="http://schemas.microsoft.com/office/drawing/2010/main" xmlns:ma14="http://schemas.microsoft.com/office/mac/drawingml/2011/main" val="1"/>
             </a:ext>
           </a:extLst>
         </p:spPr>
@@ -3506,7 +3493,7 @@
             </a:pPr>
             <a:r>
               <a:rPr lang="ru-RU" dirty="0" smtClean="0"/>
-              <a:t>обеспечение качества и тестирование</a:t>
+              <a:t>Документирование БАГОВ</a:t>
             </a:r>
             <a:endParaRPr dirty="0"/>
           </a:p>
@@ -3520,8 +3507,8 @@
         </p:nvSpPr>
         <p:spPr>
           <a:xfrm>
-            <a:off x="1201065" y="4409728"/>
-            <a:ext cx="21506374" cy="8352928"/>
+            <a:off x="1201065" y="4504768"/>
+            <a:ext cx="21506374" cy="8401904"/>
           </a:xfrm>
           <a:prstGeom prst="rect">
             <a:avLst/>
@@ -3531,7 +3518,7 @@
           </a:ln>
           <a:extLst>
             <a:ext uri="{C572A759-6A51-4108-AA02-DFA0A04FC94B}">
-              <ma14:wrappingTextBoxFlag xmlns:ma14="http://schemas.microsoft.com/office/mac/drawingml/2011/main" xmlns:a14="http://schemas.microsoft.com/office/drawing/2010/main" xmlns:m="http://schemas.openxmlformats.org/officeDocument/2006/math" xmlns="" val="1"/>
+              <ma14:wrappingTextBoxFlag xmlns="" xmlns:m="http://schemas.openxmlformats.org/officeDocument/2006/math" xmlns:a14="http://schemas.microsoft.com/office/drawing/2010/main" xmlns:ma14="http://schemas.microsoft.com/office/mac/drawingml/2011/main" val="1"/>
             </a:ext>
           </a:extLst>
         </p:spPr>
@@ -3539,7 +3526,11 @@
           <a:bodyPr lIns="71437" tIns="71437" rIns="71437" bIns="71437"/>
           <a:lstStyle/>
           <a:p>
-            <a:pPr algn="l">
+            <a:pPr marL="1143000" indent="-1143000" algn="l">
+              <a:lnSpc>
+                <a:spcPct val="150000"/>
+              </a:lnSpc>
+              <a:buAutoNum type="arabicPeriod"/>
               <a:defRPr sz="2800">
                 <a:solidFill>
                   <a:srgbClr val="253957"/>
@@ -3550,10 +3541,21 @@
                 <a:sym typeface="Arial Narrow"/>
               </a:defRPr>
             </a:pPr>
-            <a:endParaRPr lang="ru-RU" sz="6000" dirty="0" smtClean="0"/>
-          </a:p>
-          <a:p>
-            <a:pPr algn="r">
+            <a:r>
+              <a:rPr lang="en-US" sz="5400" dirty="0" smtClean="0">
+                <a:solidFill>
+                  <a:srgbClr val="002060"/>
+                </a:solidFill>
+              </a:rPr>
+              <a:t>Title</a:t>
+            </a:r>
+          </a:p>
+          <a:p>
+            <a:pPr marL="1143000" indent="-1143000" algn="l">
+              <a:lnSpc>
+                <a:spcPct val="150000"/>
+              </a:lnSpc>
+              <a:buAutoNum type="arabicPeriod"/>
               <a:defRPr sz="2800">
                 <a:solidFill>
                   <a:srgbClr val="253957"/>
@@ -3565,12 +3567,25 @@
               </a:defRPr>
             </a:pPr>
             <a:r>
-              <a:rPr lang="ru-RU" sz="5400" dirty="0" smtClean="0"/>
-              <a:t>«Качество — это проблема всего коллектива» </a:t>
-            </a:r>
-          </a:p>
-          <a:p>
-            <a:pPr algn="r">
+              <a:rPr lang="en-US" sz="5400" dirty="0" smtClean="0">
+                <a:solidFill>
+                  <a:srgbClr val="002060"/>
+                </a:solidFill>
+              </a:rPr>
+              <a:t>Status, assignee, priority</a:t>
+            </a:r>
+            <a:endParaRPr lang="ru-RU" sz="5400" dirty="0" smtClean="0">
+              <a:solidFill>
+                <a:srgbClr val="002060"/>
+              </a:solidFill>
+            </a:endParaRPr>
+          </a:p>
+          <a:p>
+            <a:pPr marL="1143000" indent="-1143000" algn="l">
+              <a:lnSpc>
+                <a:spcPct val="150000"/>
+              </a:lnSpc>
+              <a:buAutoNum type="arabicPeriod" startAt="2"/>
               <a:defRPr sz="2800">
                 <a:solidFill>
                   <a:srgbClr val="253957"/>
@@ -3582,54 +3597,25 @@
               </a:defRPr>
             </a:pPr>
             <a:r>
-              <a:rPr lang="ru-RU" sz="5400" dirty="0" smtClean="0">
-                <a:solidFill>
-                  <a:srgbClr val="253957"/>
-                </a:solidFill>
-                <a:sym typeface="Arial Narrow"/>
+              <a:rPr lang="en-US" sz="5400" dirty="0" smtClean="0">
+                <a:solidFill>
+                  <a:srgbClr val="002060"/>
+                </a:solidFill>
               </a:rPr>
-              <a:t>Джеймс </a:t>
-            </a:r>
-            <a:r>
-              <a:rPr lang="ru-RU" sz="5400" dirty="0" err="1" smtClean="0">
-                <a:solidFill>
-                  <a:srgbClr val="253957"/>
-                </a:solidFill>
-                <a:sym typeface="Arial Narrow"/>
-              </a:rPr>
-              <a:t>Уиттакер</a:t>
-            </a:r>
-            <a:r>
-              <a:rPr lang="ru-RU" sz="5400" dirty="0" smtClean="0">
-                <a:solidFill>
-                  <a:srgbClr val="253957"/>
-                </a:solidFill>
-                <a:sym typeface="Arial Narrow"/>
-              </a:rPr>
-              <a:t> - «Как тестируют в </a:t>
-            </a:r>
-            <a:r>
-              <a:rPr lang="ru-RU" sz="5400" dirty="0" err="1" smtClean="0">
-                <a:solidFill>
-                  <a:srgbClr val="253957"/>
-                </a:solidFill>
-                <a:sym typeface="Arial Narrow"/>
-              </a:rPr>
-              <a:t>Google</a:t>
-            </a:r>
-            <a:r>
-              <a:rPr lang="ru-RU" sz="5400" dirty="0" smtClean="0">
-                <a:solidFill>
-                  <a:srgbClr val="253957"/>
-                </a:solidFill>
-                <a:sym typeface="Arial Narrow"/>
-              </a:rPr>
-              <a:t>» </a:t>
-            </a:r>
-            <a:endParaRPr lang="en-US" sz="5400" dirty="0" smtClean="0"/>
-          </a:p>
-          <a:p>
-            <a:pPr algn="l">
+              <a:t>Description</a:t>
+            </a:r>
+            <a:endParaRPr lang="ru-RU" sz="5400" dirty="0" smtClean="0">
+              <a:solidFill>
+                <a:srgbClr val="002060"/>
+              </a:solidFill>
+            </a:endParaRPr>
+          </a:p>
+          <a:p>
+            <a:pPr marL="1143000" indent="-1143000" algn="l">
+              <a:lnSpc>
+                <a:spcPct val="150000"/>
+              </a:lnSpc>
+              <a:buAutoNum type="arabicPeriod" startAt="2"/>
               <a:defRPr sz="2800">
                 <a:solidFill>
                   <a:srgbClr val="253957"/>
@@ -3640,10 +3626,26 @@
                 <a:sym typeface="Arial Narrow"/>
               </a:defRPr>
             </a:pPr>
-            <a:endParaRPr lang="en-US" sz="6000" dirty="0" smtClean="0"/>
-          </a:p>
-          <a:p>
-            <a:pPr>
+            <a:r>
+              <a:rPr lang="en-US" sz="5400" dirty="0" smtClean="0">
+                <a:solidFill>
+                  <a:srgbClr val="002060"/>
+                </a:solidFill>
+              </a:rPr>
+              <a:t>Steps to reproduce</a:t>
+            </a:r>
+            <a:endParaRPr lang="ru-RU" sz="5400" dirty="0" smtClean="0">
+              <a:solidFill>
+                <a:srgbClr val="002060"/>
+              </a:solidFill>
+            </a:endParaRPr>
+          </a:p>
+          <a:p>
+            <a:pPr marL="1143000" indent="-1143000" algn="l">
+              <a:lnSpc>
+                <a:spcPct val="150000"/>
+              </a:lnSpc>
+              <a:buAutoNum type="arabicPeriod" startAt="2"/>
               <a:defRPr sz="2800">
                 <a:solidFill>
                   <a:srgbClr val="253957"/>
@@ -3655,21 +3657,25 @@
               </a:defRPr>
             </a:pPr>
             <a:r>
-              <a:rPr lang="ru-RU" sz="6000" b="1" i="1" dirty="0" smtClean="0"/>
-              <a:t>Тестирование</a:t>
-            </a:r>
-            <a:r>
-              <a:rPr lang="ru-RU" sz="6000" dirty="0" smtClean="0"/>
-              <a:t> – выполнение программы с целью найти </a:t>
-            </a:r>
-            <a:r>
-              <a:rPr lang="ru-RU" sz="6000" dirty="0" err="1" smtClean="0"/>
-              <a:t>баги</a:t>
-            </a:r>
-            <a:endParaRPr lang="ru-RU" sz="6000" dirty="0" smtClean="0"/>
-          </a:p>
-          <a:p>
-            <a:pPr lvl="1">
+              <a:rPr lang="en-US" sz="5400" dirty="0" smtClean="0">
+                <a:solidFill>
+                  <a:srgbClr val="002060"/>
+                </a:solidFill>
+              </a:rPr>
+              <a:t>Example (code sample, error stack)</a:t>
+            </a:r>
+            <a:endParaRPr lang="ru-RU" sz="5400" dirty="0" smtClean="0">
+              <a:solidFill>
+                <a:srgbClr val="002060"/>
+              </a:solidFill>
+            </a:endParaRPr>
+          </a:p>
+          <a:p>
+            <a:pPr marL="1143000" indent="-1143000" algn="l">
+              <a:lnSpc>
+                <a:spcPct val="150000"/>
+              </a:lnSpc>
+              <a:buAutoNum type="arabicPeriod" startAt="2"/>
               <a:defRPr sz="2800">
                 <a:solidFill>
                   <a:srgbClr val="253957"/>
@@ -3680,66 +3686,19 @@
                 <a:sym typeface="Arial Narrow"/>
               </a:defRPr>
             </a:pPr>
-            <a:endParaRPr lang="ru-RU" sz="6000" dirty="0" smtClean="0"/>
-          </a:p>
-          <a:p>
-            <a:pPr>
-              <a:defRPr sz="2800">
-                <a:solidFill>
-                  <a:srgbClr val="253957"/>
-                </a:solidFill>
-                <a:latin typeface="+mn-lt"/>
-                <a:ea typeface="+mn-ea"/>
-                <a:cs typeface="+mn-cs"/>
-                <a:sym typeface="Arial Narrow"/>
-              </a:defRPr>
-            </a:pPr>
-            <a:r>
-              <a:rPr lang="ru-RU" sz="6000" b="1" i="1" dirty="0" smtClean="0"/>
-              <a:t>Обеспечение качества </a:t>
-            </a:r>
-            <a:r>
-              <a:rPr lang="ru-RU" sz="6000" dirty="0" smtClean="0">
-                <a:solidFill>
-                  <a:srgbClr val="253957"/>
-                </a:solidFill>
-                <a:sym typeface="Arial Narrow"/>
+            <a:r>
+              <a:rPr lang="en-US" sz="5400" dirty="0" smtClean="0">
+                <a:solidFill>
+                  <a:srgbClr val="002060"/>
+                </a:solidFill>
               </a:rPr>
-              <a:t>– процессы, позволяющие предотвратить появление </a:t>
-            </a:r>
-            <a:r>
-              <a:rPr lang="ru-RU" sz="6000" dirty="0" err="1" smtClean="0">
-                <a:solidFill>
-                  <a:srgbClr val="253957"/>
-                </a:solidFill>
-                <a:sym typeface="Arial Narrow"/>
-              </a:rPr>
-              <a:t>багов</a:t>
-            </a:r>
-            <a:r>
-              <a:rPr lang="ru-RU" sz="6000" dirty="0" smtClean="0">
-                <a:solidFill>
-                  <a:srgbClr val="253957"/>
-                </a:solidFill>
-                <a:sym typeface="Arial Narrow"/>
-              </a:rPr>
-              <a:t> или обнаружить как можно раньше</a:t>
-            </a:r>
-            <a:endParaRPr lang="en-US" sz="6000" dirty="0" smtClean="0"/>
-          </a:p>
-          <a:p>
-            <a:pPr algn="l">
-              <a:defRPr sz="2800">
-                <a:solidFill>
-                  <a:srgbClr val="253957"/>
-                </a:solidFill>
-                <a:latin typeface="+mn-lt"/>
-                <a:ea typeface="+mn-ea"/>
-                <a:cs typeface="+mn-cs"/>
-                <a:sym typeface="Arial Narrow"/>
-              </a:defRPr>
-            </a:pPr>
-            <a:endParaRPr sz="6000" dirty="0"/>
+              <a:t>Environment</a:t>
+            </a:r>
+            <a:endParaRPr sz="5400" dirty="0">
+              <a:solidFill>
+                <a:srgbClr val="002060"/>
+              </a:solidFill>
+            </a:endParaRPr>
           </a:p>
         </p:txBody>
       </p:sp>
@@ -3762,7 +3721,7 @@
           </a:ln>
           <a:extLst>
             <a:ext uri="{C572A759-6A51-4108-AA02-DFA0A04FC94B}">
-              <ma14:wrappingTextBoxFlag xmlns:ma14="http://schemas.microsoft.com/office/mac/drawingml/2011/main" xmlns:a14="http://schemas.microsoft.com/office/drawing/2010/main" xmlns:m="http://schemas.openxmlformats.org/officeDocument/2006/math" xmlns="" val="1"/>
+              <ma14:wrappingTextBoxFlag xmlns="" xmlns:m="http://schemas.openxmlformats.org/officeDocument/2006/math" xmlns:a14="http://schemas.microsoft.com/office/drawing/2010/main" xmlns:ma14="http://schemas.microsoft.com/office/mac/drawingml/2011/main" val="1"/>
             </a:ext>
           </a:extLst>
         </p:spPr>
@@ -3905,7 +3864,7 @@
           </a:ln>
           <a:extLst>
             <a:ext uri="{C572A759-6A51-4108-AA02-DFA0A04FC94B}">
-              <ma14:wrappingTextBoxFlag xmlns:ma14="http://schemas.microsoft.com/office/mac/drawingml/2011/main" xmlns:a14="http://schemas.microsoft.com/office/drawing/2010/main" xmlns:m="http://schemas.openxmlformats.org/officeDocument/2006/math" xmlns="" val="1"/>
+              <ma14:wrappingTextBoxFlag xmlns="" xmlns:m="http://schemas.openxmlformats.org/officeDocument/2006/math" xmlns:a14="http://schemas.microsoft.com/office/drawing/2010/main" xmlns:ma14="http://schemas.microsoft.com/office/mac/drawingml/2011/main" val="1"/>
             </a:ext>
           </a:extLst>
         </p:spPr>
@@ -3926,166 +3885,9 @@
             </a:pPr>
             <a:r>
               <a:rPr lang="ru-RU" dirty="0" smtClean="0"/>
-              <a:t>ТЕСТИРОВАНИЕ в процессе разработки</a:t>
+              <a:t>ЖИЗНЕННЫЙ ЦИКЛ БАГОВ</a:t>
             </a:r>
             <a:endParaRPr dirty="0"/>
-          </a:p>
-        </p:txBody>
-      </p:sp>
-      <p:sp>
-        <p:nvSpPr>
-          <p:cNvPr id="60" name="Text Text Text Text Text Text Text Text Text Text Text Text Text Text Text Text Text Text Text Text Text Text Text Text Text Text Text Text Text Text Text Text Text Text Text Text Text Text Text Text Text Text Text Text Text Text Text Text Text Text Text Text Text Text Text Text Text Text Text Text Text Text Text Text Text Text Text Text Text Text Text Text Text Text Text Text Text Text Text Text Text Text Text Text Text Text Text Text Text Text Text Text Text Text Text Text Text Text Text Text Text Text Text Text Text Text Text Text…"/>
-          <p:cNvSpPr txBox="1"/>
-          <p:nvPr/>
-        </p:nvSpPr>
-        <p:spPr>
-          <a:xfrm>
-            <a:off x="1201065" y="4504768"/>
-            <a:ext cx="21506374" cy="8401904"/>
-          </a:xfrm>
-          <a:prstGeom prst="rect">
-            <a:avLst/>
-          </a:prstGeom>
-          <a:ln w="12700">
-            <a:miter lim="400000"/>
-          </a:ln>
-          <a:extLst>
-            <a:ext uri="{C572A759-6A51-4108-AA02-DFA0A04FC94B}">
-              <ma14:wrappingTextBoxFlag xmlns:ma14="http://schemas.microsoft.com/office/mac/drawingml/2011/main" xmlns:a14="http://schemas.microsoft.com/office/drawing/2010/main" xmlns:m="http://schemas.openxmlformats.org/officeDocument/2006/math" xmlns="" val="1"/>
-            </a:ext>
-          </a:extLst>
-        </p:spPr>
-        <p:txBody>
-          <a:bodyPr lIns="71437" tIns="71437" rIns="71437" bIns="71437"/>
-          <a:lstStyle/>
-          <a:p>
-            <a:pPr marL="1143000" indent="-1143000" algn="l">
-              <a:lnSpc>
-                <a:spcPct val="200000"/>
-              </a:lnSpc>
-              <a:defRPr sz="2800">
-                <a:solidFill>
-                  <a:srgbClr val="253957"/>
-                </a:solidFill>
-                <a:latin typeface="+mn-lt"/>
-                <a:ea typeface="+mn-ea"/>
-                <a:cs typeface="+mn-cs"/>
-                <a:sym typeface="Arial Narrow"/>
-              </a:defRPr>
-            </a:pPr>
-            <a:r>
-              <a:rPr lang="ru-RU" sz="5400" dirty="0" smtClean="0">
-                <a:solidFill>
-                  <a:srgbClr val="002060"/>
-                </a:solidFill>
-              </a:rPr>
-              <a:t>1.  	Анализ требований</a:t>
-            </a:r>
-          </a:p>
-          <a:p>
-            <a:pPr marL="1143000" indent="-1143000" algn="l">
-              <a:lnSpc>
-                <a:spcPct val="200000"/>
-              </a:lnSpc>
-              <a:buAutoNum type="arabicPeriod" startAt="2"/>
-              <a:defRPr sz="2800">
-                <a:solidFill>
-                  <a:srgbClr val="253957"/>
-                </a:solidFill>
-                <a:latin typeface="+mn-lt"/>
-                <a:ea typeface="+mn-ea"/>
-                <a:cs typeface="+mn-cs"/>
-                <a:sym typeface="Arial Narrow"/>
-              </a:defRPr>
-            </a:pPr>
-            <a:r>
-              <a:rPr lang="ru-RU" sz="5400" dirty="0" smtClean="0">
-                <a:solidFill>
-                  <a:srgbClr val="002060"/>
-                </a:solidFill>
-              </a:rPr>
-              <a:t>Разработка тестового плана</a:t>
-            </a:r>
-          </a:p>
-          <a:p>
-            <a:pPr marL="1143000" indent="-1143000" algn="l">
-              <a:lnSpc>
-                <a:spcPct val="200000"/>
-              </a:lnSpc>
-              <a:buAutoNum type="arabicPeriod" startAt="2"/>
-              <a:defRPr sz="2800">
-                <a:solidFill>
-                  <a:srgbClr val="253957"/>
-                </a:solidFill>
-                <a:latin typeface="+mn-lt"/>
-                <a:ea typeface="+mn-ea"/>
-                <a:cs typeface="+mn-cs"/>
-                <a:sym typeface="Arial Narrow"/>
-              </a:defRPr>
-            </a:pPr>
-            <a:r>
-              <a:rPr lang="ru-RU" sz="5400" dirty="0" smtClean="0">
-                <a:solidFill>
-                  <a:srgbClr val="002060"/>
-                </a:solidFill>
-              </a:rPr>
-              <a:t>Разработка тестов разного уровня</a:t>
-            </a:r>
-          </a:p>
-          <a:p>
-            <a:pPr marL="1143000" indent="-1143000" algn="l">
-              <a:lnSpc>
-                <a:spcPct val="200000"/>
-              </a:lnSpc>
-              <a:buAutoNum type="arabicPeriod" startAt="2"/>
-              <a:defRPr sz="2800">
-                <a:solidFill>
-                  <a:srgbClr val="253957"/>
-                </a:solidFill>
-                <a:latin typeface="+mn-lt"/>
-                <a:ea typeface="+mn-ea"/>
-                <a:cs typeface="+mn-cs"/>
-                <a:sym typeface="Arial Narrow"/>
-              </a:defRPr>
-            </a:pPr>
-            <a:r>
-              <a:rPr lang="ru-RU" sz="5400" dirty="0" smtClean="0">
-                <a:solidFill>
-                  <a:srgbClr val="002060"/>
-                </a:solidFill>
-              </a:rPr>
-              <a:t>Тестирование</a:t>
-            </a:r>
-          </a:p>
-          <a:p>
-            <a:pPr marL="1143000" indent="-1143000" algn="l">
-              <a:lnSpc>
-                <a:spcPct val="200000"/>
-              </a:lnSpc>
-              <a:buAutoNum type="arabicPeriod" startAt="2"/>
-              <a:defRPr sz="2800">
-                <a:solidFill>
-                  <a:srgbClr val="253957"/>
-                </a:solidFill>
-                <a:latin typeface="+mn-lt"/>
-                <a:ea typeface="+mn-ea"/>
-                <a:cs typeface="+mn-cs"/>
-                <a:sym typeface="Arial Narrow"/>
-              </a:defRPr>
-            </a:pPr>
-            <a:r>
-              <a:rPr lang="ru-RU" sz="5400" dirty="0" smtClean="0">
-                <a:solidFill>
-                  <a:srgbClr val="002060"/>
-                </a:solidFill>
-              </a:rPr>
-              <a:t>Анализ результатов тестирования</a:t>
-            </a:r>
-            <a:endParaRPr sz="5400" dirty="0">
-              <a:solidFill>
-                <a:srgbClr val="002060"/>
-              </a:solidFill>
-            </a:endParaRPr>
           </a:p>
         </p:txBody>
       </p:sp>
@@ -4108,7 +3910,7 @@
           </a:ln>
           <a:extLst>
             <a:ext uri="{C572A759-6A51-4108-AA02-DFA0A04FC94B}">
-              <ma14:wrappingTextBoxFlag xmlns:ma14="http://schemas.microsoft.com/office/mac/drawingml/2011/main" xmlns:a14="http://schemas.microsoft.com/office/drawing/2010/main" xmlns:m="http://schemas.openxmlformats.org/officeDocument/2006/math" xmlns="" val="1"/>
+              <ma14:wrappingTextBoxFlag xmlns="" xmlns:m="http://schemas.openxmlformats.org/officeDocument/2006/math" xmlns:a14="http://schemas.microsoft.com/office/drawing/2010/main" xmlns:ma14="http://schemas.microsoft.com/office/mac/drawingml/2011/main" val="1"/>
             </a:ext>
           </a:extLst>
         </p:spPr>
@@ -4167,6 +3969,845 @@
           </a:ln>
         </p:spPr>
       </p:pic>
+      <p:sp>
+        <p:nvSpPr>
+          <p:cNvPr id="7" name="Овал 6"/>
+          <p:cNvSpPr/>
+          <p:nvPr/>
+        </p:nvSpPr>
+        <p:spPr>
+          <a:xfrm>
+            <a:off x="2398912" y="7794104"/>
+            <a:ext cx="2448272" cy="1404156"/>
+          </a:xfrm>
+          <a:prstGeom prst="ellipse">
+            <a:avLst/>
+          </a:prstGeom>
+          <a:blipFill rotWithShape="1">
+            <a:blip r:embed="rId3" cstate="print"/>
+            <a:srcRect/>
+            <a:tile tx="0" ty="0" sx="100000" sy="100000" flip="none" algn="tl"/>
+          </a:blipFill>
+          <a:ln w="12700" cap="flat">
+            <a:noFill/>
+            <a:miter lim="400000"/>
+          </a:ln>
+          <a:effectLst>
+            <a:outerShdw blurRad="50800" dist="25400" dir="5400000" rotWithShape="0">
+              <a:srgbClr val="000000">
+                <a:alpha val="50000"/>
+              </a:srgbClr>
+            </a:outerShdw>
+          </a:effectLst>
+          <a:sp3d/>
+        </p:spPr>
+        <p:style>
+          <a:lnRef idx="0">
+            <a:scrgbClr r="0" g="0" b="0"/>
+          </a:lnRef>
+          <a:fillRef idx="0">
+            <a:scrgbClr r="0" g="0" b="0"/>
+          </a:fillRef>
+          <a:effectRef idx="0">
+            <a:scrgbClr r="0" g="0" b="0"/>
+          </a:effectRef>
+          <a:fontRef idx="none"/>
+        </p:style>
+        <p:txBody>
+          <a:bodyPr rot="0" spcFirstLastPara="1" vertOverflow="overflow" horzOverflow="overflow" vert="horz" wrap="square" lIns="71437" tIns="71437" rIns="71437" bIns="71437" numCol="1" spcCol="38100" rtlCol="0" anchor="ctr">
+            <a:noAutofit/>
+          </a:bodyPr>
+          <a:lstStyle/>
+          <a:p>
+            <a:pPr marL="0" marR="0" indent="0" algn="ctr" defTabSz="821531" rtl="0" fontAlgn="auto" latinLnBrk="0" hangingPunct="0">
+              <a:lnSpc>
+                <a:spcPct val="100000"/>
+              </a:lnSpc>
+              <a:spcBef>
+                <a:spcPts val="0"/>
+              </a:spcBef>
+              <a:spcAft>
+                <a:spcPts val="0"/>
+              </a:spcAft>
+              <a:buClrTx/>
+              <a:buSzTx/>
+              <a:buFontTx/>
+              <a:buNone/>
+              <a:tabLst/>
+            </a:pPr>
+            <a:r>
+              <a:rPr lang="en-US" sz="3200" dirty="0" smtClean="0">
+                <a:solidFill>
+                  <a:srgbClr val="FFFFFF"/>
+                </a:solidFill>
+              </a:rPr>
+              <a:t>NEW</a:t>
+            </a:r>
+            <a:endParaRPr kumimoji="0" lang="ru-RU" sz="3200" b="0" i="0" u="none" strike="noStrike" cap="none" spc="0" normalizeH="0" baseline="0" dirty="0">
+              <a:ln>
+                <a:noFill/>
+              </a:ln>
+              <a:solidFill>
+                <a:srgbClr val="FFFFFF"/>
+              </a:solidFill>
+              <a:effectLst/>
+              <a:uFillTx/>
+              <a:latin typeface="+mj-lt"/>
+              <a:ea typeface="+mj-ea"/>
+              <a:cs typeface="+mj-cs"/>
+              <a:sym typeface="Helvetica Light"/>
+            </a:endParaRPr>
+          </a:p>
+        </p:txBody>
+      </p:sp>
+      <p:sp>
+        <p:nvSpPr>
+          <p:cNvPr id="8" name="Овал 7"/>
+          <p:cNvSpPr/>
+          <p:nvPr/>
+        </p:nvSpPr>
+        <p:spPr>
+          <a:xfrm>
+            <a:off x="18528704" y="7731051"/>
+            <a:ext cx="2808312" cy="1503213"/>
+          </a:xfrm>
+          <a:prstGeom prst="ellipse">
+            <a:avLst/>
+          </a:prstGeom>
+          <a:blipFill rotWithShape="1">
+            <a:blip r:embed="rId3" cstate="print"/>
+            <a:srcRect/>
+            <a:tile tx="0" ty="0" sx="100000" sy="100000" flip="none" algn="tl"/>
+          </a:blipFill>
+          <a:ln w="12700" cap="flat">
+            <a:noFill/>
+            <a:miter lim="400000"/>
+          </a:ln>
+          <a:effectLst>
+            <a:outerShdw blurRad="50800" dist="25400" dir="5400000" rotWithShape="0">
+              <a:srgbClr val="000000">
+                <a:alpha val="50000"/>
+              </a:srgbClr>
+            </a:outerShdw>
+          </a:effectLst>
+          <a:sp3d/>
+        </p:spPr>
+        <p:style>
+          <a:lnRef idx="0">
+            <a:scrgbClr r="0" g="0" b="0"/>
+          </a:lnRef>
+          <a:fillRef idx="0">
+            <a:scrgbClr r="0" g="0" b="0"/>
+          </a:fillRef>
+          <a:effectRef idx="0">
+            <a:scrgbClr r="0" g="0" b="0"/>
+          </a:effectRef>
+          <a:fontRef idx="none"/>
+        </p:style>
+        <p:txBody>
+          <a:bodyPr rot="0" spcFirstLastPara="1" vertOverflow="overflow" horzOverflow="overflow" vert="horz" wrap="square" lIns="71437" tIns="71437" rIns="71437" bIns="71437" numCol="1" spcCol="38100" rtlCol="0" anchor="ctr">
+            <a:noAutofit/>
+          </a:bodyPr>
+          <a:lstStyle/>
+          <a:p>
+            <a:pPr marL="0" marR="0" indent="0" algn="ctr" defTabSz="821531" rtl="0" fontAlgn="auto" latinLnBrk="0" hangingPunct="0">
+              <a:lnSpc>
+                <a:spcPct val="100000"/>
+              </a:lnSpc>
+              <a:spcBef>
+                <a:spcPts val="0"/>
+              </a:spcBef>
+              <a:spcAft>
+                <a:spcPts val="0"/>
+              </a:spcAft>
+              <a:buClrTx/>
+              <a:buSzTx/>
+              <a:buFontTx/>
+              <a:buNone/>
+              <a:tabLst/>
+            </a:pPr>
+            <a:r>
+              <a:rPr lang="en-US" sz="3200" dirty="0" smtClean="0">
+                <a:solidFill>
+                  <a:srgbClr val="FFFFFF"/>
+                </a:solidFill>
+              </a:rPr>
+              <a:t>CLOSED</a:t>
+            </a:r>
+            <a:endParaRPr kumimoji="0" lang="ru-RU" sz="3200" b="0" i="0" u="none" strike="noStrike" cap="none" spc="0" normalizeH="0" baseline="0" dirty="0">
+              <a:ln>
+                <a:noFill/>
+              </a:ln>
+              <a:solidFill>
+                <a:srgbClr val="FFFFFF"/>
+              </a:solidFill>
+              <a:effectLst/>
+              <a:uFillTx/>
+              <a:latin typeface="+mj-lt"/>
+              <a:ea typeface="+mj-ea"/>
+              <a:cs typeface="+mj-cs"/>
+              <a:sym typeface="Helvetica Light"/>
+            </a:endParaRPr>
+          </a:p>
+        </p:txBody>
+      </p:sp>
+      <p:sp>
+        <p:nvSpPr>
+          <p:cNvPr id="9" name="Овал 8"/>
+          <p:cNvSpPr/>
+          <p:nvPr/>
+        </p:nvSpPr>
+        <p:spPr>
+          <a:xfrm>
+            <a:off x="8663608" y="7794104"/>
+            <a:ext cx="2448272" cy="1404156"/>
+          </a:xfrm>
+          <a:prstGeom prst="ellipse">
+            <a:avLst/>
+          </a:prstGeom>
+          <a:blipFill rotWithShape="1">
+            <a:blip r:embed="rId3" cstate="print"/>
+            <a:srcRect/>
+            <a:tile tx="0" ty="0" sx="100000" sy="100000" flip="none" algn="tl"/>
+          </a:blipFill>
+          <a:ln w="12700" cap="flat">
+            <a:noFill/>
+            <a:miter lim="400000"/>
+          </a:ln>
+          <a:effectLst>
+            <a:outerShdw blurRad="50800" dist="25400" dir="5400000" rotWithShape="0">
+              <a:srgbClr val="000000">
+                <a:alpha val="50000"/>
+              </a:srgbClr>
+            </a:outerShdw>
+          </a:effectLst>
+          <a:sp3d/>
+        </p:spPr>
+        <p:style>
+          <a:lnRef idx="0">
+            <a:scrgbClr r="0" g="0" b="0"/>
+          </a:lnRef>
+          <a:fillRef idx="0">
+            <a:scrgbClr r="0" g="0" b="0"/>
+          </a:fillRef>
+          <a:effectRef idx="0">
+            <a:scrgbClr r="0" g="0" b="0"/>
+          </a:effectRef>
+          <a:fontRef idx="none"/>
+        </p:style>
+        <p:txBody>
+          <a:bodyPr rot="0" spcFirstLastPara="1" vertOverflow="overflow" horzOverflow="overflow" vert="horz" wrap="square" lIns="71437" tIns="71437" rIns="71437" bIns="71437" numCol="1" spcCol="38100" rtlCol="0" anchor="ctr">
+            <a:noAutofit/>
+          </a:bodyPr>
+          <a:lstStyle/>
+          <a:p>
+            <a:pPr marL="0" marR="0" indent="0" algn="ctr" defTabSz="821531" rtl="0" fontAlgn="auto" latinLnBrk="0" hangingPunct="0">
+              <a:lnSpc>
+                <a:spcPct val="100000"/>
+              </a:lnSpc>
+              <a:spcBef>
+                <a:spcPts val="0"/>
+              </a:spcBef>
+              <a:spcAft>
+                <a:spcPts val="0"/>
+              </a:spcAft>
+              <a:buClrTx/>
+              <a:buSzTx/>
+              <a:buFontTx/>
+              <a:buNone/>
+              <a:tabLst/>
+            </a:pPr>
+            <a:r>
+              <a:rPr lang="en-US" sz="3200" dirty="0" smtClean="0">
+                <a:solidFill>
+                  <a:srgbClr val="FFFFFF"/>
+                </a:solidFill>
+              </a:rPr>
+              <a:t>OPEN</a:t>
+            </a:r>
+            <a:endParaRPr kumimoji="0" lang="ru-RU" sz="3200" b="0" i="0" u="none" strike="noStrike" cap="none" spc="0" normalizeH="0" baseline="0" dirty="0">
+              <a:ln>
+                <a:noFill/>
+              </a:ln>
+              <a:solidFill>
+                <a:srgbClr val="FFFFFF"/>
+              </a:solidFill>
+              <a:effectLst/>
+              <a:uFillTx/>
+              <a:latin typeface="+mj-lt"/>
+              <a:ea typeface="+mj-ea"/>
+              <a:cs typeface="+mj-cs"/>
+              <a:sym typeface="Helvetica Light"/>
+            </a:endParaRPr>
+          </a:p>
+        </p:txBody>
+      </p:sp>
+      <p:sp>
+        <p:nvSpPr>
+          <p:cNvPr id="10" name="Овал 9"/>
+          <p:cNvSpPr/>
+          <p:nvPr/>
+        </p:nvSpPr>
+        <p:spPr>
+          <a:xfrm>
+            <a:off x="13632160" y="7794104"/>
+            <a:ext cx="2448272" cy="1404156"/>
+          </a:xfrm>
+          <a:prstGeom prst="ellipse">
+            <a:avLst/>
+          </a:prstGeom>
+          <a:blipFill rotWithShape="1">
+            <a:blip r:embed="rId3" cstate="print"/>
+            <a:srcRect/>
+            <a:tile tx="0" ty="0" sx="100000" sy="100000" flip="none" algn="tl"/>
+          </a:blipFill>
+          <a:ln w="12700" cap="flat">
+            <a:noFill/>
+            <a:miter lim="400000"/>
+          </a:ln>
+          <a:effectLst>
+            <a:outerShdw blurRad="50800" dist="25400" dir="5400000" rotWithShape="0">
+              <a:srgbClr val="000000">
+                <a:alpha val="50000"/>
+              </a:srgbClr>
+            </a:outerShdw>
+          </a:effectLst>
+          <a:sp3d/>
+        </p:spPr>
+        <p:style>
+          <a:lnRef idx="0">
+            <a:scrgbClr r="0" g="0" b="0"/>
+          </a:lnRef>
+          <a:fillRef idx="0">
+            <a:scrgbClr r="0" g="0" b="0"/>
+          </a:fillRef>
+          <a:effectRef idx="0">
+            <a:scrgbClr r="0" g="0" b="0"/>
+          </a:effectRef>
+          <a:fontRef idx="none"/>
+        </p:style>
+        <p:txBody>
+          <a:bodyPr rot="0" spcFirstLastPara="1" vertOverflow="overflow" horzOverflow="overflow" vert="horz" wrap="square" lIns="71437" tIns="71437" rIns="71437" bIns="71437" numCol="1" spcCol="38100" rtlCol="0" anchor="ctr">
+            <a:noAutofit/>
+          </a:bodyPr>
+          <a:lstStyle/>
+          <a:p>
+            <a:pPr marL="0" marR="0" indent="0" algn="ctr" defTabSz="821531" rtl="0" fontAlgn="auto" latinLnBrk="0" hangingPunct="0">
+              <a:lnSpc>
+                <a:spcPct val="100000"/>
+              </a:lnSpc>
+              <a:spcBef>
+                <a:spcPts val="0"/>
+              </a:spcBef>
+              <a:spcAft>
+                <a:spcPts val="0"/>
+              </a:spcAft>
+              <a:buClrTx/>
+              <a:buSzTx/>
+              <a:buFontTx/>
+              <a:buNone/>
+              <a:tabLst/>
+            </a:pPr>
+            <a:r>
+              <a:rPr lang="en-US" sz="3200" dirty="0" smtClean="0">
+                <a:solidFill>
+                  <a:srgbClr val="FFFFFF"/>
+                </a:solidFill>
+              </a:rPr>
+              <a:t>FIXED</a:t>
+            </a:r>
+            <a:endParaRPr kumimoji="0" lang="ru-RU" sz="3200" b="0" i="0" u="none" strike="noStrike" cap="none" spc="0" normalizeH="0" baseline="0" dirty="0">
+              <a:ln>
+                <a:noFill/>
+              </a:ln>
+              <a:solidFill>
+                <a:srgbClr val="FFFFFF"/>
+              </a:solidFill>
+              <a:effectLst/>
+              <a:uFillTx/>
+              <a:latin typeface="+mj-lt"/>
+              <a:ea typeface="+mj-ea"/>
+              <a:cs typeface="+mj-cs"/>
+              <a:sym typeface="Helvetica Light"/>
+            </a:endParaRPr>
+          </a:p>
+        </p:txBody>
+      </p:sp>
+      <p:cxnSp>
+        <p:nvCxnSpPr>
+          <p:cNvPr id="18" name="Прямая со стрелкой 17"/>
+          <p:cNvCxnSpPr>
+            <a:stCxn id="7" idx="6"/>
+            <a:endCxn id="9" idx="2"/>
+          </p:cNvCxnSpPr>
+          <p:nvPr/>
+        </p:nvCxnSpPr>
+        <p:spPr>
+          <a:xfrm>
+            <a:off x="4847184" y="8496182"/>
+            <a:ext cx="3816424" cy="0"/>
+          </a:xfrm>
+          <a:prstGeom prst="straightConnector1">
+            <a:avLst/>
+          </a:prstGeom>
+          <a:noFill/>
+          <a:ln w="76200" cap="flat">
+            <a:solidFill>
+              <a:srgbClr val="0070C0"/>
+            </a:solidFill>
+            <a:prstDash val="solid"/>
+            <a:miter lim="400000"/>
+            <a:tailEnd type="arrow"/>
+          </a:ln>
+          <a:effectLst/>
+          <a:sp3d/>
+        </p:spPr>
+        <p:style>
+          <a:lnRef idx="0">
+            <a:scrgbClr r="0" g="0" b="0"/>
+          </a:lnRef>
+          <a:fillRef idx="0">
+            <a:scrgbClr r="0" g="0" b="0"/>
+          </a:fillRef>
+          <a:effectRef idx="0">
+            <a:scrgbClr r="0" g="0" b="0"/>
+          </a:effectRef>
+          <a:fontRef idx="none"/>
+        </p:style>
+      </p:cxnSp>
+      <p:cxnSp>
+        <p:nvCxnSpPr>
+          <p:cNvPr id="19" name="Прямая со стрелкой 18"/>
+          <p:cNvCxnSpPr>
+            <a:stCxn id="9" idx="6"/>
+            <a:endCxn id="10" idx="2"/>
+          </p:cNvCxnSpPr>
+          <p:nvPr/>
+        </p:nvCxnSpPr>
+        <p:spPr>
+          <a:xfrm>
+            <a:off x="11111880" y="8496182"/>
+            <a:ext cx="2520280" cy="0"/>
+          </a:xfrm>
+          <a:prstGeom prst="straightConnector1">
+            <a:avLst/>
+          </a:prstGeom>
+          <a:noFill/>
+          <a:ln w="76200" cap="flat">
+            <a:solidFill>
+              <a:srgbClr val="0070C0"/>
+            </a:solidFill>
+            <a:prstDash val="solid"/>
+            <a:miter lim="400000"/>
+            <a:tailEnd type="arrow"/>
+          </a:ln>
+          <a:effectLst/>
+          <a:sp3d/>
+        </p:spPr>
+        <p:style>
+          <a:lnRef idx="0">
+            <a:scrgbClr r="0" g="0" b="0"/>
+          </a:lnRef>
+          <a:fillRef idx="0">
+            <a:scrgbClr r="0" g="0" b="0"/>
+          </a:fillRef>
+          <a:effectRef idx="0">
+            <a:scrgbClr r="0" g="0" b="0"/>
+          </a:effectRef>
+          <a:fontRef idx="none"/>
+        </p:style>
+      </p:cxnSp>
+      <p:cxnSp>
+        <p:nvCxnSpPr>
+          <p:cNvPr id="22" name="Прямая со стрелкой 21"/>
+          <p:cNvCxnSpPr>
+            <a:stCxn id="10" idx="6"/>
+            <a:endCxn id="8" idx="2"/>
+          </p:cNvCxnSpPr>
+          <p:nvPr/>
+        </p:nvCxnSpPr>
+        <p:spPr>
+          <a:xfrm flipV="1">
+            <a:off x="16080432" y="8482658"/>
+            <a:ext cx="2448272" cy="13524"/>
+          </a:xfrm>
+          <a:prstGeom prst="straightConnector1">
+            <a:avLst/>
+          </a:prstGeom>
+          <a:noFill/>
+          <a:ln w="76200" cap="flat">
+            <a:solidFill>
+              <a:srgbClr val="0070C0"/>
+            </a:solidFill>
+            <a:prstDash val="solid"/>
+            <a:miter lim="400000"/>
+            <a:tailEnd type="arrow"/>
+          </a:ln>
+          <a:effectLst/>
+          <a:sp3d/>
+        </p:spPr>
+        <p:style>
+          <a:lnRef idx="0">
+            <a:scrgbClr r="0" g="0" b="0"/>
+          </a:lnRef>
+          <a:fillRef idx="0">
+            <a:scrgbClr r="0" g="0" b="0"/>
+          </a:fillRef>
+          <a:effectRef idx="0">
+            <a:scrgbClr r="0" g="0" b="0"/>
+          </a:effectRef>
+          <a:fontRef idx="none"/>
+        </p:style>
+      </p:cxnSp>
+      <p:sp>
+        <p:nvSpPr>
+          <p:cNvPr id="25" name="Овал 24"/>
+          <p:cNvSpPr/>
+          <p:nvPr/>
+        </p:nvSpPr>
+        <p:spPr>
+          <a:xfrm>
+            <a:off x="10247784" y="5417840"/>
+            <a:ext cx="3312368" cy="1584176"/>
+          </a:xfrm>
+          <a:prstGeom prst="ellipse">
+            <a:avLst/>
+          </a:prstGeom>
+          <a:blipFill rotWithShape="1">
+            <a:blip r:embed="rId3" cstate="print"/>
+            <a:srcRect/>
+            <a:tile tx="0" ty="0" sx="100000" sy="100000" flip="none" algn="tl"/>
+          </a:blipFill>
+          <a:ln w="12700" cap="flat">
+            <a:noFill/>
+            <a:miter lim="400000"/>
+          </a:ln>
+          <a:effectLst>
+            <a:outerShdw blurRad="50800" dist="25400" dir="5400000" rotWithShape="0">
+              <a:srgbClr val="000000">
+                <a:alpha val="50000"/>
+              </a:srgbClr>
+            </a:outerShdw>
+          </a:effectLst>
+          <a:sp3d/>
+        </p:spPr>
+        <p:style>
+          <a:lnRef idx="0">
+            <a:scrgbClr r="0" g="0" b="0"/>
+          </a:lnRef>
+          <a:fillRef idx="0">
+            <a:scrgbClr r="0" g="0" b="0"/>
+          </a:fillRef>
+          <a:effectRef idx="0">
+            <a:scrgbClr r="0" g="0" b="0"/>
+          </a:effectRef>
+          <a:fontRef idx="none"/>
+        </p:style>
+        <p:txBody>
+          <a:bodyPr rot="0" spcFirstLastPara="1" vertOverflow="overflow" horzOverflow="overflow" vert="horz" wrap="square" lIns="71437" tIns="71437" rIns="71437" bIns="71437" numCol="1" spcCol="38100" rtlCol="0" anchor="ctr">
+            <a:noAutofit/>
+          </a:bodyPr>
+          <a:lstStyle/>
+          <a:p>
+            <a:pPr marL="0" marR="0" indent="0" algn="ctr" defTabSz="821531" rtl="0" fontAlgn="auto" latinLnBrk="0" hangingPunct="0">
+              <a:lnSpc>
+                <a:spcPct val="100000"/>
+              </a:lnSpc>
+              <a:spcBef>
+                <a:spcPts val="0"/>
+              </a:spcBef>
+              <a:spcAft>
+                <a:spcPts val="0"/>
+              </a:spcAft>
+              <a:buClrTx/>
+              <a:buSzTx/>
+              <a:buFontTx/>
+              <a:buNone/>
+              <a:tabLst/>
+            </a:pPr>
+            <a:r>
+              <a:rPr lang="en-US" sz="3200" dirty="0" smtClean="0">
+                <a:solidFill>
+                  <a:srgbClr val="FFFFFF"/>
+                </a:solidFill>
+              </a:rPr>
+              <a:t>REJECTED</a:t>
+            </a:r>
+            <a:endParaRPr kumimoji="0" lang="ru-RU" sz="3200" b="0" i="0" u="none" strike="noStrike" cap="none" spc="0" normalizeH="0" baseline="0" dirty="0">
+              <a:ln>
+                <a:noFill/>
+              </a:ln>
+              <a:solidFill>
+                <a:srgbClr val="FFFFFF"/>
+              </a:solidFill>
+              <a:effectLst/>
+              <a:uFillTx/>
+              <a:latin typeface="+mj-lt"/>
+              <a:ea typeface="+mj-ea"/>
+              <a:cs typeface="+mj-cs"/>
+              <a:sym typeface="Helvetica Light"/>
+            </a:endParaRPr>
+          </a:p>
+        </p:txBody>
+      </p:sp>
+      <p:cxnSp>
+        <p:nvCxnSpPr>
+          <p:cNvPr id="26" name="Прямая со стрелкой 25"/>
+          <p:cNvCxnSpPr>
+            <a:stCxn id="7" idx="7"/>
+            <a:endCxn id="25" idx="2"/>
+          </p:cNvCxnSpPr>
+          <p:nvPr/>
+        </p:nvCxnSpPr>
+        <p:spPr>
+          <a:xfrm flipV="1">
+            <a:off x="4488643" y="6209928"/>
+            <a:ext cx="5759141" cy="1789810"/>
+          </a:xfrm>
+          <a:prstGeom prst="straightConnector1">
+            <a:avLst/>
+          </a:prstGeom>
+          <a:noFill/>
+          <a:ln w="76200" cap="flat">
+            <a:solidFill>
+              <a:srgbClr val="0070C0"/>
+            </a:solidFill>
+            <a:prstDash val="solid"/>
+            <a:miter lim="400000"/>
+            <a:tailEnd type="arrow"/>
+          </a:ln>
+          <a:effectLst/>
+          <a:sp3d/>
+        </p:spPr>
+        <p:style>
+          <a:lnRef idx="0">
+            <a:scrgbClr r="0" g="0" b="0"/>
+          </a:lnRef>
+          <a:fillRef idx="0">
+            <a:scrgbClr r="0" g="0" b="0"/>
+          </a:fillRef>
+          <a:effectRef idx="0">
+            <a:scrgbClr r="0" g="0" b="0"/>
+          </a:effectRef>
+          <a:fontRef idx="none"/>
+        </p:style>
+      </p:cxnSp>
+      <p:cxnSp>
+        <p:nvCxnSpPr>
+          <p:cNvPr id="29" name="Прямая со стрелкой 28"/>
+          <p:cNvCxnSpPr>
+            <a:stCxn id="25" idx="6"/>
+            <a:endCxn id="8" idx="1"/>
+          </p:cNvCxnSpPr>
+          <p:nvPr/>
+        </p:nvCxnSpPr>
+        <p:spPr>
+          <a:xfrm>
+            <a:off x="13560152" y="6209928"/>
+            <a:ext cx="5379820" cy="1741263"/>
+          </a:xfrm>
+          <a:prstGeom prst="straightConnector1">
+            <a:avLst/>
+          </a:prstGeom>
+          <a:noFill/>
+          <a:ln w="76200" cap="flat">
+            <a:solidFill>
+              <a:srgbClr val="0070C0"/>
+            </a:solidFill>
+            <a:prstDash val="solid"/>
+            <a:miter lim="400000"/>
+            <a:tailEnd type="arrow"/>
+          </a:ln>
+          <a:effectLst/>
+          <a:sp3d/>
+        </p:spPr>
+        <p:style>
+          <a:lnRef idx="0">
+            <a:scrgbClr r="0" g="0" b="0"/>
+          </a:lnRef>
+          <a:fillRef idx="0">
+            <a:scrgbClr r="0" g="0" b="0"/>
+          </a:fillRef>
+          <a:effectRef idx="0">
+            <a:scrgbClr r="0" g="0" b="0"/>
+          </a:effectRef>
+          <a:fontRef idx="none"/>
+        </p:style>
+      </p:cxnSp>
+      <p:cxnSp>
+        <p:nvCxnSpPr>
+          <p:cNvPr id="55" name="Прямая со стрелкой 54"/>
+          <p:cNvCxnSpPr>
+            <a:stCxn id="9" idx="7"/>
+            <a:endCxn id="25" idx="4"/>
+          </p:cNvCxnSpPr>
+          <p:nvPr/>
+        </p:nvCxnSpPr>
+        <p:spPr>
+          <a:xfrm flipV="1">
+            <a:off x="10753339" y="7002016"/>
+            <a:ext cx="1150629" cy="997722"/>
+          </a:xfrm>
+          <a:prstGeom prst="straightConnector1">
+            <a:avLst/>
+          </a:prstGeom>
+          <a:noFill/>
+          <a:ln w="76200" cap="flat">
+            <a:solidFill>
+              <a:srgbClr val="0070C0"/>
+            </a:solidFill>
+            <a:prstDash val="dash"/>
+            <a:miter lim="400000"/>
+            <a:tailEnd type="arrow"/>
+          </a:ln>
+          <a:effectLst/>
+          <a:sp3d/>
+        </p:spPr>
+        <p:style>
+          <a:lnRef idx="0">
+            <a:scrgbClr r="0" g="0" b="0"/>
+          </a:lnRef>
+          <a:fillRef idx="0">
+            <a:scrgbClr r="0" g="0" b="0"/>
+          </a:fillRef>
+          <a:effectRef idx="0">
+            <a:scrgbClr r="0" g="0" b="0"/>
+          </a:effectRef>
+          <a:fontRef idx="none"/>
+        </p:style>
+      </p:cxnSp>
+      <p:cxnSp>
+        <p:nvCxnSpPr>
+          <p:cNvPr id="83" name="Скругленная соединительная линия 82"/>
+          <p:cNvCxnSpPr>
+            <a:stCxn id="8" idx="4"/>
+            <a:endCxn id="7" idx="3"/>
+          </p:cNvCxnSpPr>
+          <p:nvPr/>
+        </p:nvCxnSpPr>
+        <p:spPr>
+          <a:xfrm rot="5400000" flipH="1">
+            <a:off x="11224338" y="525742"/>
+            <a:ext cx="241638" cy="17175407"/>
+          </a:xfrm>
+          <a:prstGeom prst="curvedConnector3">
+            <a:avLst>
+              <a:gd name="adj1" fmla="val -1178254"/>
+            </a:avLst>
+          </a:prstGeom>
+          <a:noFill/>
+          <a:ln w="76200" cap="flat">
+            <a:solidFill>
+              <a:srgbClr val="0070C0"/>
+            </a:solidFill>
+            <a:prstDash val="dash"/>
+            <a:miter lim="400000"/>
+            <a:tailEnd type="arrow"/>
+          </a:ln>
+          <a:effectLst/>
+          <a:sp3d/>
+        </p:spPr>
+        <p:style>
+          <a:lnRef idx="0">
+            <a:scrgbClr r="0" g="0" b="0"/>
+          </a:lnRef>
+          <a:fillRef idx="0">
+            <a:scrgbClr r="0" g="0" b="0"/>
+          </a:fillRef>
+          <a:effectRef idx="0">
+            <a:scrgbClr r="0" g="0" b="0"/>
+          </a:effectRef>
+          <a:fontRef idx="none"/>
+        </p:style>
+      </p:cxnSp>
+      <p:cxnSp>
+        <p:nvCxnSpPr>
+          <p:cNvPr id="87" name="Скругленная соединительная линия 86"/>
+          <p:cNvCxnSpPr>
+            <a:stCxn id="8" idx="3"/>
+            <a:endCxn id="7" idx="4"/>
+          </p:cNvCxnSpPr>
+          <p:nvPr/>
+        </p:nvCxnSpPr>
+        <p:spPr>
+          <a:xfrm rot="5400000">
+            <a:off x="11189442" y="1447730"/>
+            <a:ext cx="184136" cy="15316924"/>
+          </a:xfrm>
+          <a:prstGeom prst="curvedConnector3">
+            <a:avLst>
+              <a:gd name="adj1" fmla="val 988584"/>
+            </a:avLst>
+          </a:prstGeom>
+          <a:noFill/>
+          <a:ln w="76200" cap="flat">
+            <a:solidFill>
+              <a:srgbClr val="0070C0"/>
+            </a:solidFill>
+            <a:prstDash val="dash"/>
+            <a:miter lim="400000"/>
+            <a:tailEnd type="arrow"/>
+          </a:ln>
+          <a:effectLst/>
+          <a:sp3d/>
+        </p:spPr>
+        <p:style>
+          <a:lnRef idx="0">
+            <a:scrgbClr r="0" g="0" b="0"/>
+          </a:lnRef>
+          <a:fillRef idx="0">
+            <a:scrgbClr r="0" g="0" b="0"/>
+          </a:fillRef>
+          <a:effectRef idx="0">
+            <a:scrgbClr r="0" g="0" b="0"/>
+          </a:effectRef>
+          <a:fontRef idx="none"/>
+        </p:style>
+      </p:cxnSp>
+      <p:cxnSp>
+        <p:nvCxnSpPr>
+          <p:cNvPr id="90" name="Скругленная соединительная линия 89"/>
+          <p:cNvCxnSpPr>
+            <a:stCxn id="25" idx="0"/>
+            <a:endCxn id="7" idx="0"/>
+          </p:cNvCxnSpPr>
+          <p:nvPr/>
+        </p:nvCxnSpPr>
+        <p:spPr>
+          <a:xfrm rot="16200000" flipH="1" flipV="1">
+            <a:off x="6575376" y="2465512"/>
+            <a:ext cx="2376264" cy="8280920"/>
+          </a:xfrm>
+          <a:prstGeom prst="curvedConnector3">
+            <a:avLst>
+              <a:gd name="adj1" fmla="val -9620"/>
+            </a:avLst>
+          </a:prstGeom>
+          <a:noFill/>
+          <a:ln w="76200" cap="flat">
+            <a:solidFill>
+              <a:srgbClr val="0070C0"/>
+            </a:solidFill>
+            <a:prstDash val="dash"/>
+            <a:miter lim="400000"/>
+            <a:tailEnd type="arrow"/>
+          </a:ln>
+          <a:effectLst/>
+          <a:sp3d/>
+        </p:spPr>
+        <p:style>
+          <a:lnRef idx="0">
+            <a:scrgbClr r="0" g="0" b="0"/>
+          </a:lnRef>
+          <a:fillRef idx="0">
+            <a:scrgbClr r="0" g="0" b="0"/>
+          </a:fillRef>
+          <a:effectRef idx="0">
+            <a:scrgbClr r="0" g="0" b="0"/>
+          </a:effectRef>
+          <a:fontRef idx="none"/>
+        </p:style>
+      </p:cxnSp>
     </p:spTree>
   </p:cSld>
   <p:clrMapOvr>
@@ -4241,7 +4882,7 @@
         <p:spPr>
           <a:xfrm>
             <a:off x="1209448" y="2972787"/>
-            <a:ext cx="21351703" cy="1580958"/>
+            <a:ext cx="21423711" cy="1580958"/>
           </a:xfrm>
           <a:prstGeom prst="rect">
             <a:avLst/>
@@ -4251,7 +4892,7 @@
           </a:ln>
           <a:extLst>
             <a:ext uri="{C572A759-6A51-4108-AA02-DFA0A04FC94B}">
-              <ma14:wrappingTextBoxFlag xmlns:ma14="http://schemas.microsoft.com/office/mac/drawingml/2011/main" xmlns:a14="http://schemas.microsoft.com/office/drawing/2010/main" xmlns:m="http://schemas.openxmlformats.org/officeDocument/2006/math" xmlns="" val="1"/>
+              <ma14:wrappingTextBoxFlag xmlns="" xmlns:m="http://schemas.openxmlformats.org/officeDocument/2006/math" xmlns:a14="http://schemas.microsoft.com/office/drawing/2010/main" xmlns:ma14="http://schemas.microsoft.com/office/mac/drawingml/2011/main" val="1"/>
             </a:ext>
           </a:extLst>
         </p:spPr>
@@ -4272,7 +4913,7 @@
             </a:pPr>
             <a:r>
               <a:rPr lang="ru-RU" dirty="0" smtClean="0"/>
-              <a:t>РОЛИ В обеспечении качества и тестировании</a:t>
+              <a:t>СИСТЕМЫ ОТСЛЕЖИВАНИЯ БАГОВ</a:t>
             </a:r>
             <a:endParaRPr dirty="0"/>
           </a:p>
@@ -4286,8 +4927,8 @@
         </p:nvSpPr>
         <p:spPr>
           <a:xfrm>
-            <a:off x="1201065" y="4409728"/>
-            <a:ext cx="21506374" cy="8352928"/>
+            <a:off x="1201065" y="4504768"/>
+            <a:ext cx="21506374" cy="8401904"/>
           </a:xfrm>
           <a:prstGeom prst="rect">
             <a:avLst/>
@@ -4297,7 +4938,7 @@
           </a:ln>
           <a:extLst>
             <a:ext uri="{C572A759-6A51-4108-AA02-DFA0A04FC94B}">
-              <ma14:wrappingTextBoxFlag xmlns:ma14="http://schemas.microsoft.com/office/mac/drawingml/2011/main" xmlns:a14="http://schemas.microsoft.com/office/drawing/2010/main" xmlns:m="http://schemas.openxmlformats.org/officeDocument/2006/math" xmlns="" val="1"/>
+              <ma14:wrappingTextBoxFlag xmlns="" xmlns:m="http://schemas.openxmlformats.org/officeDocument/2006/math" xmlns:a14="http://schemas.microsoft.com/office/drawing/2010/main" xmlns:ma14="http://schemas.microsoft.com/office/mac/drawingml/2011/main" val="1"/>
             </a:ext>
           </a:extLst>
         </p:spPr>
@@ -4305,7 +4946,11 @@
           <a:bodyPr lIns="71437" tIns="71437" rIns="71437" bIns="71437"/>
           <a:lstStyle/>
           <a:p>
-            <a:pPr algn="l">
+            <a:pPr marL="1143000" indent="-1143000" algn="l">
+              <a:lnSpc>
+                <a:spcPct val="150000"/>
+              </a:lnSpc>
+              <a:buAutoNum type="arabicPeriod"/>
               <a:defRPr sz="2800">
                 <a:solidFill>
                   <a:srgbClr val="253957"/>
@@ -4316,10 +4961,34 @@
                 <a:sym typeface="Arial Narrow"/>
               </a:defRPr>
             </a:pPr>
-            <a:endParaRPr lang="ru-RU" sz="6000" dirty="0" smtClean="0"/>
-          </a:p>
-          <a:p>
-            <a:pPr algn="l">
+            <a:r>
+              <a:rPr lang="en-US" sz="5400" dirty="0" err="1" smtClean="0">
+                <a:solidFill>
+                  <a:srgbClr val="002060"/>
+                </a:solidFill>
+              </a:rPr>
+              <a:t>GitHub</a:t>
+            </a:r>
+            <a:r>
+              <a:rPr lang="en-US" sz="5400" dirty="0" smtClean="0">
+                <a:solidFill>
+                  <a:srgbClr val="002060"/>
+                </a:solidFill>
+              </a:rPr>
+              <a:t> (https://github.com)</a:t>
+            </a:r>
+            <a:endParaRPr lang="en-US" sz="5400" dirty="0" smtClean="0">
+              <a:solidFill>
+                <a:srgbClr val="002060"/>
+              </a:solidFill>
+            </a:endParaRPr>
+          </a:p>
+          <a:p>
+            <a:pPr marL="1143000" indent="-1143000" algn="l">
+              <a:lnSpc>
+                <a:spcPct val="150000"/>
+              </a:lnSpc>
+              <a:buAutoNum type="arabicPeriod"/>
               <a:defRPr sz="2800">
                 <a:solidFill>
                   <a:srgbClr val="253957"/>
@@ -4330,15 +4999,34 @@
                 <a:sym typeface="Arial Narrow"/>
               </a:defRPr>
             </a:pPr>
-            <a:endParaRPr lang="en-US" sz="6000" dirty="0" smtClean="0"/>
-          </a:p>
-          <a:p>
-            <a:pPr lvl="1" algn="l">
+            <a:r>
+              <a:rPr lang="en-US" sz="5400" dirty="0" err="1" smtClean="0">
+                <a:solidFill>
+                  <a:srgbClr val="002060"/>
+                </a:solidFill>
+              </a:rPr>
+              <a:t>GitLab</a:t>
+            </a:r>
+            <a:r>
+              <a:rPr lang="en-US" sz="5400" dirty="0" smtClean="0">
+                <a:solidFill>
+                  <a:srgbClr val="002060"/>
+                </a:solidFill>
+              </a:rPr>
+              <a:t> (https://about.gitlab.com)</a:t>
+            </a:r>
+            <a:endParaRPr lang="ru-RU" sz="5400" dirty="0" smtClean="0">
+              <a:solidFill>
+                <a:srgbClr val="002060"/>
+              </a:solidFill>
+            </a:endParaRPr>
+          </a:p>
+          <a:p>
+            <a:pPr marL="1143000" indent="-1143000" algn="l">
               <a:lnSpc>
-                <a:spcPct val="200000"/>
+                <a:spcPct val="150000"/>
               </a:lnSpc>
-              <a:buFont typeface="Arial" pitchFamily="34" charset="0"/>
-              <a:buChar char="•"/>
+              <a:buAutoNum type="arabicPeriod" startAt="2"/>
               <a:defRPr sz="2800">
                 <a:solidFill>
                   <a:srgbClr val="253957"/>
@@ -4350,37 +5038,33 @@
               </a:defRPr>
             </a:pPr>
             <a:r>
-              <a:rPr lang="ru-RU" sz="6000" dirty="0" smtClean="0">
-                <a:sym typeface="Arial Narrow"/>
+              <a:rPr lang="en-US" sz="5400" dirty="0" err="1" smtClean="0">
+                <a:solidFill>
+                  <a:srgbClr val="002060"/>
+                </a:solidFill>
               </a:rPr>
-              <a:t>   </a:t>
-            </a:r>
-            <a:r>
-              <a:rPr lang="ru-RU" sz="6000" b="1" i="1" dirty="0" smtClean="0">
-                <a:sym typeface="Arial Narrow"/>
+              <a:t>Jira</a:t>
+            </a:r>
+            <a:r>
+              <a:rPr lang="en-US" sz="5400" dirty="0" smtClean="0">
+                <a:solidFill>
+                  <a:srgbClr val="002060"/>
+                </a:solidFill>
               </a:rPr>
-              <a:t>Разработчик</a:t>
-            </a:r>
-            <a:r>
-              <a:rPr lang="ru-RU" sz="6000" dirty="0" smtClean="0">
-                <a:sym typeface="Arial Narrow"/>
-              </a:rPr>
-              <a:t> (</a:t>
-            </a:r>
-            <a:r>
-              <a:rPr lang="en-US" sz="6000" dirty="0" smtClean="0">
-                <a:sym typeface="Arial Narrow"/>
-              </a:rPr>
-              <a:t>Software Engineer, SWE)</a:t>
-            </a:r>
-          </a:p>
-          <a:p>
-            <a:pPr lvl="1" algn="l">
+              <a:t> (https://www.atlassian.com/software/jira)</a:t>
+            </a:r>
+            <a:endParaRPr lang="ru-RU" sz="5400" dirty="0" smtClean="0">
+              <a:solidFill>
+                <a:srgbClr val="002060"/>
+              </a:solidFill>
+            </a:endParaRPr>
+          </a:p>
+          <a:p>
+            <a:pPr marL="1143000" indent="-1143000" algn="l">
               <a:lnSpc>
-                <a:spcPct val="200000"/>
+                <a:spcPct val="150000"/>
               </a:lnSpc>
-              <a:buFont typeface="Arial" pitchFamily="34" charset="0"/>
-              <a:buChar char="•"/>
+              <a:buAutoNum type="arabicPeriod" startAt="2"/>
               <a:defRPr sz="2800">
                 <a:solidFill>
                   <a:srgbClr val="253957"/>
@@ -4392,58 +5076,33 @@
               </a:defRPr>
             </a:pPr>
             <a:r>
-              <a:rPr lang="ru-RU" sz="6000" dirty="0" smtClean="0"/>
-              <a:t>   </a:t>
-            </a:r>
-            <a:r>
-              <a:rPr lang="ru-RU" sz="6000" b="1" i="1" dirty="0" smtClean="0"/>
-              <a:t>Разработчик в тестировании </a:t>
-            </a:r>
-            <a:r>
-              <a:rPr lang="ru-RU" sz="6000" dirty="0" smtClean="0"/>
-              <a:t>(</a:t>
-            </a:r>
-            <a:r>
-              <a:rPr lang="ru-RU" sz="6000" dirty="0" err="1" smtClean="0"/>
-              <a:t>Software</a:t>
-            </a:r>
-            <a:r>
-              <a:rPr lang="ru-RU" sz="6000" dirty="0" smtClean="0"/>
-              <a:t> </a:t>
-            </a:r>
-            <a:r>
-              <a:rPr lang="ru-RU" sz="6000" dirty="0" err="1" smtClean="0"/>
-              <a:t>Engineer</a:t>
-            </a:r>
-            <a:r>
-              <a:rPr lang="ru-RU" sz="6000" dirty="0" smtClean="0"/>
-              <a:t> </a:t>
-            </a:r>
-            <a:r>
-              <a:rPr lang="ru-RU" sz="6000" dirty="0" err="1" smtClean="0"/>
-              <a:t>in</a:t>
-            </a:r>
-            <a:r>
-              <a:rPr lang="ru-RU" sz="6000" dirty="0" smtClean="0"/>
-              <a:t> </a:t>
-            </a:r>
-            <a:r>
-              <a:rPr lang="ru-RU" sz="6000" dirty="0" err="1" smtClean="0"/>
-              <a:t>Test</a:t>
-            </a:r>
-            <a:r>
-              <a:rPr lang="ru-RU" sz="6000" dirty="0" smtClean="0"/>
-              <a:t>, SET)</a:t>
-            </a:r>
-            <a:endParaRPr lang="en-US" sz="6000" dirty="0" smtClean="0"/>
-          </a:p>
-          <a:p>
-            <a:pPr lvl="1" algn="l">
+              <a:rPr lang="en-US" sz="5400" dirty="0" err="1" smtClean="0">
+                <a:solidFill>
+                  <a:srgbClr val="002060"/>
+                </a:solidFill>
+              </a:rPr>
+              <a:t>YouTrack</a:t>
+            </a:r>
+            <a:r>
+              <a:rPr lang="en-US" sz="5400" dirty="0" smtClean="0">
+                <a:solidFill>
+                  <a:srgbClr val="002060"/>
+                </a:solidFill>
+              </a:rPr>
+              <a:t> (https://jetbrains.ru/products/youtrack/)</a:t>
+            </a:r>
+            <a:endParaRPr lang="ru-RU" sz="5400" dirty="0" smtClean="0">
+              <a:solidFill>
+                <a:srgbClr val="002060"/>
+              </a:solidFill>
+            </a:endParaRPr>
+          </a:p>
+          <a:p>
+            <a:pPr marL="1143000" indent="-1143000" algn="l">
               <a:lnSpc>
-                <a:spcPct val="200000"/>
+                <a:spcPct val="150000"/>
               </a:lnSpc>
-              <a:buFont typeface="Arial" pitchFamily="34" charset="0"/>
-              <a:buChar char="•"/>
+              <a:buAutoNum type="arabicPeriod" startAt="2"/>
               <a:defRPr sz="2800">
                 <a:solidFill>
                   <a:srgbClr val="253957"/>
@@ -4455,37 +5114,57 @@
               </a:defRPr>
             </a:pPr>
             <a:r>
-              <a:rPr lang="ru-RU" sz="6000" dirty="0" smtClean="0"/>
-              <a:t>   </a:t>
-            </a:r>
-            <a:r>
-              <a:rPr lang="ru-RU" sz="6000" b="1" i="1" dirty="0" smtClean="0"/>
-              <a:t>Инженер по тестированию </a:t>
-            </a:r>
-            <a:r>
-              <a:rPr lang="ru-RU" sz="6000" dirty="0" smtClean="0"/>
-              <a:t>(</a:t>
-            </a:r>
-            <a:r>
-              <a:rPr lang="ru-RU" sz="6000" dirty="0" err="1" smtClean="0"/>
-              <a:t>Test</a:t>
-            </a:r>
-            <a:r>
-              <a:rPr lang="ru-RU" sz="6000" dirty="0" smtClean="0"/>
-              <a:t> </a:t>
-            </a:r>
-            <a:r>
-              <a:rPr lang="ru-RU" sz="6000" dirty="0" err="1" smtClean="0"/>
-              <a:t>Engineer</a:t>
-            </a:r>
-            <a:r>
-              <a:rPr lang="ru-RU" sz="6000" dirty="0" smtClean="0"/>
-              <a:t>, TE)</a:t>
-            </a:r>
-            <a:endParaRPr lang="en-US" sz="6000" dirty="0" smtClean="0"/>
-          </a:p>
-          <a:p>
-            <a:pPr algn="l">
+              <a:rPr lang="en-US" sz="5400" dirty="0" err="1" smtClean="0">
+                <a:solidFill>
+                  <a:srgbClr val="002060"/>
+                </a:solidFill>
+              </a:rPr>
+              <a:t>Redmine</a:t>
+            </a:r>
+            <a:r>
+              <a:rPr lang="en-US" sz="5400" dirty="0" smtClean="0">
+                <a:solidFill>
+                  <a:srgbClr val="002060"/>
+                </a:solidFill>
+              </a:rPr>
+              <a:t> (</a:t>
+            </a:r>
+            <a:r>
+              <a:rPr lang="en-US" sz="5400" dirty="0" smtClean="0">
+                <a:solidFill>
+                  <a:srgbClr val="002060"/>
+                </a:solidFill>
+              </a:rPr>
+              <a:t>https</a:t>
+            </a:r>
+            <a:r>
+              <a:rPr lang="en-US" sz="5400" dirty="0" smtClean="0">
+                <a:solidFill>
+                  <a:srgbClr val="002060"/>
+                </a:solidFill>
+              </a:rPr>
+              <a:t>://</a:t>
+            </a:r>
+            <a:r>
+              <a:rPr lang="en-US" sz="5400" dirty="0" smtClean="0">
+                <a:solidFill>
+                  <a:srgbClr val="002060"/>
+                </a:solidFill>
+              </a:rPr>
+              <a:t>www.redmine.org)</a:t>
+            </a:r>
+            <a:endParaRPr lang="ru-RU" sz="5400" dirty="0" smtClean="0">
+              <a:solidFill>
+                <a:srgbClr val="002060"/>
+              </a:solidFill>
+            </a:endParaRPr>
+          </a:p>
+          <a:p>
+            <a:pPr marL="1143000" indent="-1143000" algn="l">
+              <a:lnSpc>
+                <a:spcPct val="150000"/>
+              </a:lnSpc>
+              <a:buAutoNum type="arabicPeriod" startAt="2"/>
               <a:defRPr sz="2800">
                 <a:solidFill>
                   <a:srgbClr val="253957"/>
@@ -4496,7 +5175,19 @@
                 <a:sym typeface="Arial Narrow"/>
               </a:defRPr>
             </a:pPr>
-            <a:endParaRPr sz="6000" dirty="0"/>
+            <a:r>
+              <a:rPr lang="en-US" sz="5400" dirty="0" smtClean="0">
+                <a:solidFill>
+                  <a:srgbClr val="002060"/>
+                </a:solidFill>
+              </a:rPr>
+              <a:t>….</a:t>
+            </a:r>
+            <a:endParaRPr sz="5400" dirty="0">
+              <a:solidFill>
+                <a:srgbClr val="002060"/>
+              </a:solidFill>
+            </a:endParaRPr>
           </a:p>
         </p:txBody>
       </p:sp>
@@ -4519,7 +5210,7 @@
           </a:ln>
           <a:extLst>
             <a:ext uri="{C572A759-6A51-4108-AA02-DFA0A04FC94B}">
-              <ma14:wrappingTextBoxFlag xmlns:ma14="http://schemas.microsoft.com/office/mac/drawingml/2011/main" xmlns:a14="http://schemas.microsoft.com/office/drawing/2010/main" xmlns:m="http://schemas.openxmlformats.org/officeDocument/2006/math" xmlns="" val="1"/>
+              <ma14:wrappingTextBoxFlag xmlns="" xmlns:m="http://schemas.openxmlformats.org/officeDocument/2006/math" xmlns:a14="http://schemas.microsoft.com/office/drawing/2010/main" xmlns:ma14="http://schemas.microsoft.com/office/mac/drawingml/2011/main" val="1"/>
             </a:ext>
           </a:extLst>
         </p:spPr>
@@ -4651,8 +5342,8 @@
         </p:nvSpPr>
         <p:spPr>
           <a:xfrm>
-            <a:off x="1209448" y="2537520"/>
-            <a:ext cx="21567727" cy="2313227"/>
+            <a:off x="1209448" y="2972787"/>
+            <a:ext cx="21423711" cy="1580958"/>
           </a:xfrm>
           <a:prstGeom prst="rect">
             <a:avLst/>
@@ -4662,7 +5353,7 @@
           </a:ln>
           <a:extLst>
             <a:ext uri="{C572A759-6A51-4108-AA02-DFA0A04FC94B}">
-              <ma14:wrappingTextBoxFlag xmlns:ma14="http://schemas.microsoft.com/office/mac/drawingml/2011/main" xmlns:a14="http://schemas.microsoft.com/office/drawing/2010/main" xmlns:m="http://schemas.openxmlformats.org/officeDocument/2006/math" xmlns="" val="1"/>
+              <ma14:wrappingTextBoxFlag xmlns="" xmlns:m="http://schemas.openxmlformats.org/officeDocument/2006/math" xmlns:a14="http://schemas.microsoft.com/office/drawing/2010/main" xmlns:ma14="http://schemas.microsoft.com/office/mac/drawingml/2011/main" val="1"/>
             </a:ext>
           </a:extLst>
         </p:spPr>
@@ -4670,7 +5361,7 @@
           <a:bodyPr lIns="71437" tIns="71437" rIns="71437" bIns="71437"/>
           <a:lstStyle/>
           <a:p>
-            <a:pPr>
+            <a:pPr algn="l">
               <a:defRPr sz="7000" b="1" cap="all">
                 <a:solidFill>
                   <a:srgbClr val="253957"/>
@@ -4683,7 +5374,7 @@
             </a:pPr>
             <a:r>
               <a:rPr lang="ru-RU" dirty="0" smtClean="0"/>
-              <a:t>литература</a:t>
+              <a:t>РЕЗЕНЗИРОВАНИЕ КОДА</a:t>
             </a:r>
             <a:endParaRPr dirty="0"/>
           </a:p>
@@ -4697,8 +5388,8 @@
         </p:nvSpPr>
         <p:spPr>
           <a:xfrm>
-            <a:off x="1201065" y="3977680"/>
-            <a:ext cx="21506374" cy="8712968"/>
+            <a:off x="1201065" y="4504768"/>
+            <a:ext cx="21506374" cy="8401904"/>
           </a:xfrm>
           <a:prstGeom prst="rect">
             <a:avLst/>
@@ -4708,7 +5399,7 @@
           </a:ln>
           <a:extLst>
             <a:ext uri="{C572A759-6A51-4108-AA02-DFA0A04FC94B}">
-              <ma14:wrappingTextBoxFlag xmlns:ma14="http://schemas.microsoft.com/office/mac/drawingml/2011/main" xmlns:a14="http://schemas.microsoft.com/office/drawing/2010/main" xmlns:m="http://schemas.openxmlformats.org/officeDocument/2006/math" xmlns="" val="1"/>
+              <ma14:wrappingTextBoxFlag xmlns="" xmlns:m="http://schemas.openxmlformats.org/officeDocument/2006/math" xmlns:a14="http://schemas.microsoft.com/office/drawing/2010/main" xmlns:ma14="http://schemas.microsoft.com/office/mac/drawingml/2011/main" val="1"/>
             </a:ext>
           </a:extLst>
         </p:spPr>
@@ -4717,10 +5408,9 @@
           <a:lstStyle/>
           <a:p>
             <a:pPr marL="1143000" indent="-1143000" algn="l">
-              <a:spcAft>
-                <a:spcPts val="600"/>
-              </a:spcAft>
-              <a:buFont typeface="+mj-lt"/>
+              <a:lnSpc>
+                <a:spcPct val="200000"/>
+              </a:lnSpc>
               <a:buAutoNum type="arabicPeriod"/>
               <a:defRPr sz="2800">
                 <a:solidFill>
@@ -4733,32 +5423,24 @@
               </a:defRPr>
             </a:pPr>
             <a:r>
-              <a:rPr lang="ru-RU" sz="6000" dirty="0" smtClean="0"/>
-              <a:t>Роман Савин – «Тестирование Дот Ком, или Пособие по жестокому обращению с </a:t>
-            </a:r>
-            <a:r>
-              <a:rPr lang="ru-RU" sz="6000" dirty="0" err="1" smtClean="0"/>
-              <a:t>багами</a:t>
-            </a:r>
-            <a:r>
-              <a:rPr lang="ru-RU" sz="6000" dirty="0" smtClean="0"/>
-              <a:t> в </a:t>
-            </a:r>
-            <a:r>
-              <a:rPr lang="ru-RU" sz="6000" dirty="0" err="1" smtClean="0"/>
-              <a:t>интернет-стартапах</a:t>
-            </a:r>
-            <a:r>
-              <a:rPr lang="ru-RU" sz="6000" dirty="0" smtClean="0"/>
-              <a:t>»</a:t>
-            </a:r>
+              <a:rPr lang="ru-RU" sz="5400" dirty="0" smtClean="0">
+                <a:solidFill>
+                  <a:srgbClr val="002060"/>
+                </a:solidFill>
+              </a:rPr>
+              <a:t>Неформальные рецензирование (парное программирование)</a:t>
+            </a:r>
+            <a:endParaRPr lang="en-US" sz="5400" dirty="0" smtClean="0">
+              <a:solidFill>
+                <a:srgbClr val="002060"/>
+              </a:solidFill>
+            </a:endParaRPr>
           </a:p>
           <a:p>
             <a:pPr marL="1143000" indent="-1143000" algn="l">
-              <a:spcAft>
-                <a:spcPts val="600"/>
-              </a:spcAft>
-              <a:buFont typeface="+mj-lt"/>
+              <a:lnSpc>
+                <a:spcPct val="200000"/>
+              </a:lnSpc>
               <a:buAutoNum type="arabicPeriod"/>
               <a:defRPr sz="2800">
                 <a:solidFill>
@@ -4771,29 +5453,19 @@
               </a:defRPr>
             </a:pPr>
             <a:r>
-              <a:rPr lang="ru-RU" sz="6000" dirty="0" smtClean="0">
-                <a:solidFill>
-                  <a:srgbClr val="253957"/>
-                </a:solidFill>
-                <a:sym typeface="Arial Narrow"/>
+              <a:rPr lang="ru-RU" sz="5400" dirty="0" smtClean="0">
+                <a:solidFill>
+                  <a:srgbClr val="002060"/>
+                </a:solidFill>
               </a:rPr>
-              <a:t>Сэм </a:t>
-            </a:r>
-            <a:r>
-              <a:rPr lang="ru-RU" sz="6000" dirty="0" err="1" smtClean="0"/>
-              <a:t>Канер</a:t>
-            </a:r>
-            <a:r>
-              <a:rPr lang="ru-RU" sz="6000" dirty="0" smtClean="0"/>
-              <a:t> – «Тестирование программного обеспечения» 	</a:t>
+              <a:t>Рецензирование изменений в коде</a:t>
             </a:r>
           </a:p>
           <a:p>
             <a:pPr marL="1143000" indent="-1143000" algn="l">
-              <a:spcAft>
-                <a:spcPts val="600"/>
-              </a:spcAft>
-              <a:buFont typeface="+mj-lt"/>
+              <a:lnSpc>
+                <a:spcPct val="200000"/>
+              </a:lnSpc>
               <a:buAutoNum type="arabicPeriod"/>
               <a:defRPr sz="2800">
                 <a:solidFill>
@@ -4806,32 +5478,59 @@
               </a:defRPr>
             </a:pPr>
             <a:r>
-              <a:rPr lang="ru-RU" sz="6000" dirty="0" smtClean="0"/>
-              <a:t>Джеймс </a:t>
-            </a:r>
-            <a:r>
-              <a:rPr lang="ru-RU" sz="6000" dirty="0" err="1" smtClean="0"/>
-              <a:t>Уиттакер</a:t>
-            </a:r>
-            <a:r>
-              <a:rPr lang="ru-RU" sz="6000" dirty="0" smtClean="0"/>
-              <a:t> – «Как тестируют в </a:t>
-            </a:r>
-            <a:r>
-              <a:rPr lang="ru-RU" sz="6000" dirty="0" err="1" smtClean="0"/>
-              <a:t>Google</a:t>
-            </a:r>
-            <a:r>
-              <a:rPr lang="ru-RU" sz="6000" dirty="0" smtClean="0"/>
-              <a:t>»</a:t>
+              <a:rPr lang="ru-RU" sz="5400" dirty="0" smtClean="0">
+                <a:solidFill>
+                  <a:srgbClr val="002060"/>
+                </a:solidFill>
+              </a:rPr>
+              <a:t>При помощи инструментов рецензирования</a:t>
+            </a:r>
+            <a:r>
+              <a:rPr lang="en-US" sz="5400" dirty="0" smtClean="0">
+                <a:solidFill>
+                  <a:srgbClr val="002060"/>
+                </a:solidFill>
+              </a:rPr>
+              <a:t> </a:t>
+            </a:r>
+            <a:r>
+              <a:rPr lang="ru-RU" sz="5400" dirty="0" smtClean="0">
+                <a:solidFill>
+                  <a:srgbClr val="002060"/>
+                </a:solidFill>
+              </a:rPr>
+              <a:t>(</a:t>
+            </a:r>
+            <a:r>
+              <a:rPr lang="en-US" sz="5400" dirty="0" err="1" smtClean="0">
+                <a:solidFill>
+                  <a:srgbClr val="002060"/>
+                </a:solidFill>
+              </a:rPr>
+              <a:t>Upsource</a:t>
+            </a:r>
+            <a:r>
+              <a:rPr lang="en-US" sz="5400" dirty="0" smtClean="0">
+                <a:solidFill>
+                  <a:srgbClr val="002060"/>
+                </a:solidFill>
+              </a:rPr>
+              <a:t>, Collaborator</a:t>
+            </a:r>
+            <a:r>
+              <a:rPr lang="ru-RU" sz="5400" dirty="0" smtClean="0">
+                <a:solidFill>
+                  <a:srgbClr val="002060"/>
+                </a:solidFill>
+              </a:rPr>
+              <a:t>)</a:t>
             </a:r>
           </a:p>
           <a:p>
             <a:pPr marL="1143000" indent="-1143000" algn="l">
-              <a:spcAft>
-                <a:spcPts val="600"/>
-              </a:spcAft>
-              <a:buFont typeface="+mj-lt"/>
+              <a:lnSpc>
+                <a:spcPct val="200000"/>
+              </a:lnSpc>
               <a:buAutoNum type="arabicPeriod"/>
               <a:defRPr sz="2800">
                 <a:solidFill>
@@ -4844,24 +5543,24 @@
               </a:defRPr>
             </a:pPr>
             <a:r>
-              <a:rPr lang="ru-RU" sz="6000" dirty="0" smtClean="0"/>
-              <a:t>Стив </a:t>
-            </a:r>
-            <a:r>
-              <a:rPr lang="ru-RU" sz="6000" dirty="0" err="1" smtClean="0"/>
-              <a:t>Макконнелл</a:t>
-            </a:r>
-            <a:r>
-              <a:rPr lang="ru-RU" sz="6000" dirty="0" smtClean="0"/>
-              <a:t> – «Совершенный код»</a:t>
-            </a:r>
+              <a:rPr lang="ru-RU" sz="5400" dirty="0" smtClean="0">
+                <a:solidFill>
+                  <a:srgbClr val="002060"/>
+                </a:solidFill>
+              </a:rPr>
+              <a:t>Формальные инспекции</a:t>
+            </a:r>
+            <a:endParaRPr lang="ru-RU" sz="5400" dirty="0">
+              <a:solidFill>
+                <a:srgbClr val="002060"/>
+              </a:solidFill>
+            </a:endParaRPr>
           </a:p>
           <a:p>
             <a:pPr marL="1143000" indent="-1143000" algn="l">
-              <a:spcAft>
-                <a:spcPts val="600"/>
-              </a:spcAft>
-              <a:buFont typeface="+mj-lt"/>
+              <a:lnSpc>
+                <a:spcPct val="150000"/>
+              </a:lnSpc>
               <a:buAutoNum type="arabicPeriod"/>
               <a:defRPr sz="2800">
                 <a:solidFill>
@@ -4873,66 +5572,11 @@
                 <a:sym typeface="Arial Narrow"/>
               </a:defRPr>
             </a:pPr>
-            <a:r>
-              <a:rPr lang="ru-RU" sz="6000" dirty="0" smtClean="0"/>
-              <a:t>Борис </a:t>
-            </a:r>
-            <a:r>
-              <a:rPr lang="ru-RU" sz="6000" dirty="0" err="1" smtClean="0"/>
-              <a:t>Бейзер</a:t>
-            </a:r>
-            <a:r>
-              <a:rPr lang="ru-RU" sz="6000" dirty="0" smtClean="0"/>
-              <a:t> – «Тестирование черного ящика. Технологии функционального тестирования программного обеспечения и систем»</a:t>
-            </a:r>
-          </a:p>
-          <a:p>
-            <a:pPr marL="1143000" indent="-1143000" algn="l">
-              <a:spcAft>
-                <a:spcPts val="600"/>
-              </a:spcAft>
-              <a:buFont typeface="+mj-lt"/>
-              <a:buAutoNum type="arabicPeriod"/>
-              <a:defRPr sz="2800">
-                <a:solidFill>
-                  <a:srgbClr val="253957"/>
-                </a:solidFill>
-                <a:latin typeface="+mn-lt"/>
-                <a:ea typeface="+mn-ea"/>
-                <a:cs typeface="+mn-cs"/>
-                <a:sym typeface="Arial Narrow"/>
-              </a:defRPr>
-            </a:pPr>
-            <a:r>
-              <a:rPr lang="ru-RU" sz="6000" dirty="0" err="1" smtClean="0"/>
-              <a:t>Иан</a:t>
-            </a:r>
-            <a:r>
-              <a:rPr lang="ru-RU" sz="6000" dirty="0" smtClean="0"/>
-              <a:t> </a:t>
-            </a:r>
-            <a:r>
-              <a:rPr lang="ru-RU" sz="6000" dirty="0" err="1" smtClean="0"/>
-              <a:t>Соммервилл</a:t>
-            </a:r>
-            <a:r>
-              <a:rPr lang="ru-RU" sz="6000" dirty="0" smtClean="0"/>
-              <a:t> – «Инженерия программного обеспечения»</a:t>
-            </a:r>
-          </a:p>
-          <a:p>
-            <a:pPr algn="l">
-              <a:defRPr sz="2800">
-                <a:solidFill>
-                  <a:srgbClr val="253957"/>
-                </a:solidFill>
-                <a:latin typeface="+mn-lt"/>
-                <a:ea typeface="+mn-ea"/>
-                <a:cs typeface="+mn-cs"/>
-                <a:sym typeface="Arial Narrow"/>
-              </a:defRPr>
-            </a:pPr>
-            <a:endParaRPr lang="ru-RU" dirty="0"/>
+            <a:endParaRPr lang="ru-RU" sz="5400" dirty="0" smtClean="0">
+              <a:solidFill>
+                <a:srgbClr val="002060"/>
+              </a:solidFill>
+            </a:endParaRPr>
           </a:p>
         </p:txBody>
       </p:sp>
@@ -4955,7 +5599,7 @@
           </a:ln>
           <a:extLst>
             <a:ext uri="{C572A759-6A51-4108-AA02-DFA0A04FC94B}">
-              <ma14:wrappingTextBoxFlag xmlns:ma14="http://schemas.microsoft.com/office/mac/drawingml/2011/main" xmlns:a14="http://schemas.microsoft.com/office/drawing/2010/main" xmlns:m="http://schemas.openxmlformats.org/officeDocument/2006/math" xmlns="" val="1"/>
+              <ma14:wrappingTextBoxFlag xmlns="" xmlns:m="http://schemas.openxmlformats.org/officeDocument/2006/math" xmlns:a14="http://schemas.microsoft.com/office/drawing/2010/main" xmlns:ma14="http://schemas.microsoft.com/office/mac/drawingml/2011/main" val="1"/>
             </a:ext>
           </a:extLst>
         </p:spPr>
@@ -5047,6 +5691,940 @@
           <a:chExt cx="0" cy="0"/>
         </a:xfrm>
       </p:grpSpPr>
+      <p:sp>
+        <p:nvSpPr>
+          <p:cNvPr id="58" name="Линия"/>
+          <p:cNvSpPr/>
+          <p:nvPr/>
+        </p:nvSpPr>
+        <p:spPr>
+          <a:xfrm>
+            <a:off x="1201065" y="2214562"/>
+            <a:ext cx="21506373" cy="1"/>
+          </a:xfrm>
+          <a:prstGeom prst="line">
+            <a:avLst/>
+          </a:prstGeom>
+          <a:ln w="12700">
+            <a:solidFill>
+              <a:srgbClr val="253957"/>
+            </a:solidFill>
+            <a:miter lim="400000"/>
+          </a:ln>
+        </p:spPr>
+        <p:txBody>
+          <a:bodyPr lIns="71437" tIns="71437" rIns="71437" bIns="71437" anchor="ctr"/>
+          <a:lstStyle/>
+          <a:p>
+            <a:pPr>
+              <a:defRPr sz="3200"/>
+            </a:pPr>
+            <a:endParaRPr/>
+          </a:p>
+        </p:txBody>
+      </p:sp>
+      <p:sp>
+        <p:nvSpPr>
+          <p:cNvPr id="59" name="Очень крутой заголовок…"/>
+          <p:cNvSpPr txBox="1"/>
+          <p:nvPr/>
+        </p:nvSpPr>
+        <p:spPr>
+          <a:xfrm>
+            <a:off x="1209448" y="2972787"/>
+            <a:ext cx="21423711" cy="1580958"/>
+          </a:xfrm>
+          <a:prstGeom prst="rect">
+            <a:avLst/>
+          </a:prstGeom>
+          <a:ln w="12700">
+            <a:miter lim="400000"/>
+          </a:ln>
+          <a:extLst>
+            <a:ext uri="{C572A759-6A51-4108-AA02-DFA0A04FC94B}">
+              <ma14:wrappingTextBoxFlag xmlns="" xmlns:m="http://schemas.openxmlformats.org/officeDocument/2006/math" xmlns:a14="http://schemas.microsoft.com/office/drawing/2010/main" xmlns:ma14="http://schemas.microsoft.com/office/mac/drawingml/2011/main" val="1"/>
+            </a:ext>
+          </a:extLst>
+        </p:spPr>
+        <p:txBody>
+          <a:bodyPr lIns="71437" tIns="71437" rIns="71437" bIns="71437"/>
+          <a:lstStyle/>
+          <a:p>
+            <a:pPr algn="l">
+              <a:defRPr sz="7000" b="1" cap="all">
+                <a:solidFill>
+                  <a:srgbClr val="253957"/>
+                </a:solidFill>
+                <a:latin typeface="+mn-lt"/>
+                <a:ea typeface="+mn-ea"/>
+                <a:cs typeface="+mn-cs"/>
+                <a:sym typeface="Arial Narrow"/>
+              </a:defRPr>
+            </a:pPr>
+            <a:r>
+              <a:rPr lang="ru-RU" dirty="0" smtClean="0"/>
+              <a:t>ЦЕЛИ </a:t>
+            </a:r>
+            <a:r>
+              <a:rPr lang="ru-RU" dirty="0" smtClean="0"/>
+              <a:t>РЕЗЕНЗИРОВАНИЯ КОДА</a:t>
+            </a:r>
+            <a:endParaRPr dirty="0"/>
+          </a:p>
+        </p:txBody>
+      </p:sp>
+      <p:sp>
+        <p:nvSpPr>
+          <p:cNvPr id="60" name="Text Text Text Text Text Text Text Text Text Text Text Text Text Text Text Text Text Text Text Text Text Text Text Text Text Text Text Text Text Text Text Text Text Text Text Text Text Text Text Text Text Text Text Text Text Text Text Text Text Text Text Text Text Text Text Text Text Text Text Text Text Text Text Text Text Text Text Text Text Text Text Text Text Text Text Text Text Text Text Text Text Text Text Text Text Text Text Text Text Text Text Text Text Text Text Text Text Text Text Text Text Text Text Text Text Text Text Text…"/>
+          <p:cNvSpPr txBox="1"/>
+          <p:nvPr/>
+        </p:nvSpPr>
+        <p:spPr>
+          <a:xfrm>
+            <a:off x="1201065" y="4504768"/>
+            <a:ext cx="21506374" cy="8401904"/>
+          </a:xfrm>
+          <a:prstGeom prst="rect">
+            <a:avLst/>
+          </a:prstGeom>
+          <a:ln w="12700">
+            <a:miter lim="400000"/>
+          </a:ln>
+          <a:extLst>
+            <a:ext uri="{C572A759-6A51-4108-AA02-DFA0A04FC94B}">
+              <ma14:wrappingTextBoxFlag xmlns="" xmlns:m="http://schemas.openxmlformats.org/officeDocument/2006/math" xmlns:a14="http://schemas.microsoft.com/office/drawing/2010/main" xmlns:ma14="http://schemas.microsoft.com/office/mac/drawingml/2011/main" val="1"/>
+            </a:ext>
+          </a:extLst>
+        </p:spPr>
+        <p:txBody>
+          <a:bodyPr lIns="71437" tIns="71437" rIns="71437" bIns="71437"/>
+          <a:lstStyle/>
+          <a:p>
+            <a:pPr marL="1143000" indent="-1143000" algn="l">
+              <a:lnSpc>
+                <a:spcPct val="200000"/>
+              </a:lnSpc>
+              <a:buAutoNum type="arabicPeriod"/>
+              <a:defRPr sz="2800">
+                <a:solidFill>
+                  <a:srgbClr val="253957"/>
+                </a:solidFill>
+                <a:latin typeface="+mn-lt"/>
+                <a:ea typeface="+mn-ea"/>
+                <a:cs typeface="+mn-cs"/>
+                <a:sym typeface="Arial Narrow"/>
+              </a:defRPr>
+            </a:pPr>
+            <a:r>
+              <a:rPr lang="en-US" sz="5400" dirty="0" smtClean="0">
+                <a:solidFill>
+                  <a:srgbClr val="002060"/>
+                </a:solidFill>
+              </a:rPr>
+              <a:t>TODO</a:t>
+            </a:r>
+            <a:endParaRPr lang="ru-RU" sz="5400" dirty="0" smtClean="0">
+              <a:solidFill>
+                <a:srgbClr val="002060"/>
+              </a:solidFill>
+            </a:endParaRPr>
+          </a:p>
+        </p:txBody>
+      </p:sp>
+      <p:sp>
+        <p:nvSpPr>
+          <p:cNvPr id="62" name="Название подразделения, лаборатории, факультета и т.д."/>
+          <p:cNvSpPr txBox="1"/>
+          <p:nvPr/>
+        </p:nvSpPr>
+        <p:spPr>
+          <a:xfrm>
+            <a:off x="11338744" y="942364"/>
+            <a:ext cx="11366416" cy="513601"/>
+          </a:xfrm>
+          <a:prstGeom prst="rect">
+            <a:avLst/>
+          </a:prstGeom>
+          <a:ln w="12700">
+            <a:miter lim="400000"/>
+          </a:ln>
+          <a:extLst>
+            <a:ext uri="{C572A759-6A51-4108-AA02-DFA0A04FC94B}">
+              <ma14:wrappingTextBoxFlag xmlns="" xmlns:m="http://schemas.openxmlformats.org/officeDocument/2006/math" xmlns:a14="http://schemas.microsoft.com/office/drawing/2010/main" xmlns:ma14="http://schemas.microsoft.com/office/mac/drawingml/2011/main" val="1"/>
+            </a:ext>
+          </a:extLst>
+        </p:spPr>
+        <p:txBody>
+          <a:bodyPr lIns="71437" tIns="71437" rIns="71437" bIns="71437" anchor="ctr">
+            <a:spAutoFit/>
+          </a:bodyPr>
+          <a:lstStyle>
+            <a:lvl1pPr algn="r">
+              <a:defRPr sz="2400">
+                <a:solidFill>
+                  <a:srgbClr val="253957"/>
+                </a:solidFill>
+                <a:latin typeface="+mn-lt"/>
+                <a:ea typeface="+mn-ea"/>
+                <a:cs typeface="+mn-cs"/>
+                <a:sym typeface="Arial Narrow"/>
+              </a:defRPr>
+            </a:lvl1pPr>
+          </a:lstStyle>
+          <a:p>
+            <a:r>
+              <a:rPr lang="ru-RU" dirty="0" smtClean="0"/>
+              <a:t>Факультет компьютерных наук / Департамент программной инженерии</a:t>
+            </a:r>
+            <a:endParaRPr dirty="0"/>
+          </a:p>
+        </p:txBody>
+      </p:sp>
+      <p:pic>
+        <p:nvPicPr>
+          <p:cNvPr id="63" name="Изображение" descr="Изображение"/>
+          <p:cNvPicPr>
+            <a:picLocks noChangeAspect="1"/>
+          </p:cNvPicPr>
+          <p:nvPr/>
+        </p:nvPicPr>
+        <p:blipFill>
+          <a:blip r:embed="rId2" cstate="print">
+            <a:extLst/>
+          </a:blip>
+          <a:stretch>
+            <a:fillRect/>
+          </a:stretch>
+        </p:blipFill>
+        <p:spPr>
+          <a:xfrm>
+            <a:off x="1226606" y="586180"/>
+            <a:ext cx="1199579" cy="1199579"/>
+          </a:xfrm>
+          <a:prstGeom prst="rect">
+            <a:avLst/>
+          </a:prstGeom>
+          <a:ln w="12700">
+            <a:miter lim="400000"/>
+          </a:ln>
+        </p:spPr>
+      </p:pic>
+    </p:spTree>
+  </p:cSld>
+  <p:clrMapOvr>
+    <a:masterClrMapping/>
+  </p:clrMapOvr>
+  <p:transition spd="med"/>
+  <p:timing>
+    <p:tnLst>
+      <p:par>
+        <p:cTn id="1" dur="indefinite" restart="never" nodeType="tmRoot"/>
+      </p:par>
+    </p:tnLst>
+  </p:timing>
+</p:sld>
+</file>
+
+<file path=ppt/slides/slide7.xml><?xml version="1.0" encoding="utf-8"?>
+<p:sld xmlns:a="http://schemas.openxmlformats.org/drawingml/2006/main" xmlns:r="http://schemas.openxmlformats.org/officeDocument/2006/relationships" xmlns:p="http://schemas.openxmlformats.org/presentationml/2006/main">
+  <p:cSld>
+    <p:spTree>
+      <p:nvGrpSpPr>
+        <p:cNvPr id="1" name=""/>
+        <p:cNvGrpSpPr/>
+        <p:nvPr/>
+      </p:nvGrpSpPr>
+      <p:grpSpPr>
+        <a:xfrm>
+          <a:off x="0" y="0"/>
+          <a:ext cx="0" cy="0"/>
+          <a:chOff x="0" y="0"/>
+          <a:chExt cx="0" cy="0"/>
+        </a:xfrm>
+      </p:grpSpPr>
+      <p:sp>
+        <p:nvSpPr>
+          <p:cNvPr id="58" name="Линия"/>
+          <p:cNvSpPr/>
+          <p:nvPr/>
+        </p:nvSpPr>
+        <p:spPr>
+          <a:xfrm>
+            <a:off x="1201065" y="2214562"/>
+            <a:ext cx="21506373" cy="1"/>
+          </a:xfrm>
+          <a:prstGeom prst="line">
+            <a:avLst/>
+          </a:prstGeom>
+          <a:ln w="12700">
+            <a:solidFill>
+              <a:srgbClr val="253957"/>
+            </a:solidFill>
+            <a:miter lim="400000"/>
+          </a:ln>
+        </p:spPr>
+        <p:txBody>
+          <a:bodyPr lIns="71437" tIns="71437" rIns="71437" bIns="71437" anchor="ctr"/>
+          <a:lstStyle/>
+          <a:p>
+            <a:pPr>
+              <a:defRPr sz="3200"/>
+            </a:pPr>
+            <a:endParaRPr/>
+          </a:p>
+        </p:txBody>
+      </p:sp>
+      <p:sp>
+        <p:nvSpPr>
+          <p:cNvPr id="59" name="Очень крутой заголовок…"/>
+          <p:cNvSpPr txBox="1"/>
+          <p:nvPr/>
+        </p:nvSpPr>
+        <p:spPr>
+          <a:xfrm>
+            <a:off x="1209448" y="2972787"/>
+            <a:ext cx="21423711" cy="1580958"/>
+          </a:xfrm>
+          <a:prstGeom prst="rect">
+            <a:avLst/>
+          </a:prstGeom>
+          <a:ln w="12700">
+            <a:miter lim="400000"/>
+          </a:ln>
+          <a:extLst>
+            <a:ext uri="{C572A759-6A51-4108-AA02-DFA0A04FC94B}">
+              <ma14:wrappingTextBoxFlag xmlns="" xmlns:m="http://schemas.openxmlformats.org/officeDocument/2006/math" xmlns:a14="http://schemas.microsoft.com/office/drawing/2010/main" xmlns:ma14="http://schemas.microsoft.com/office/mac/drawingml/2011/main" val="1"/>
+            </a:ext>
+          </a:extLst>
+        </p:spPr>
+        <p:txBody>
+          <a:bodyPr lIns="71437" tIns="71437" rIns="71437" bIns="71437"/>
+          <a:lstStyle/>
+          <a:p>
+            <a:pPr algn="l">
+              <a:defRPr sz="7000" b="1" cap="all">
+                <a:solidFill>
+                  <a:srgbClr val="253957"/>
+                </a:solidFill>
+                <a:latin typeface="+mn-lt"/>
+                <a:ea typeface="+mn-ea"/>
+                <a:cs typeface="+mn-cs"/>
+                <a:sym typeface="Arial Narrow"/>
+              </a:defRPr>
+            </a:pPr>
+            <a:r>
+              <a:rPr lang="ru-RU" dirty="0" smtClean="0"/>
+              <a:t>СТАТИЧЕСКИЙ АНАЛИЗ КОДА</a:t>
+            </a:r>
+            <a:endParaRPr dirty="0"/>
+          </a:p>
+        </p:txBody>
+      </p:sp>
+      <p:sp>
+        <p:nvSpPr>
+          <p:cNvPr id="60" name="Text Text Text Text Text Text Text Text Text Text Text Text Text Text Text Text Text Text Text Text Text Text Text Text Text Text Text Text Text Text Text Text Text Text Text Text Text Text Text Text Text Text Text Text Text Text Text Text Text Text Text Text Text Text Text Text Text Text Text Text Text Text Text Text Text Text Text Text Text Text Text Text Text Text Text Text Text Text Text Text Text Text Text Text Text Text Text Text Text Text Text Text Text Text Text Text Text Text Text Text Text Text Text Text Text Text Text Text…"/>
+          <p:cNvSpPr txBox="1"/>
+          <p:nvPr/>
+        </p:nvSpPr>
+        <p:spPr>
+          <a:xfrm>
+            <a:off x="1201065" y="4504768"/>
+            <a:ext cx="21506374" cy="8401904"/>
+          </a:xfrm>
+          <a:prstGeom prst="rect">
+            <a:avLst/>
+          </a:prstGeom>
+          <a:ln w="12700">
+            <a:miter lim="400000"/>
+          </a:ln>
+          <a:extLst>
+            <a:ext uri="{C572A759-6A51-4108-AA02-DFA0A04FC94B}">
+              <ma14:wrappingTextBoxFlag xmlns="" xmlns:m="http://schemas.openxmlformats.org/officeDocument/2006/math" xmlns:a14="http://schemas.microsoft.com/office/drawing/2010/main" xmlns:ma14="http://schemas.microsoft.com/office/mac/drawingml/2011/main" val="1"/>
+            </a:ext>
+          </a:extLst>
+        </p:spPr>
+        <p:txBody>
+          <a:bodyPr lIns="71437" tIns="71437" rIns="71437" bIns="71437"/>
+          <a:lstStyle/>
+          <a:p>
+            <a:pPr marL="1143000" indent="-1143000" algn="l">
+              <a:lnSpc>
+                <a:spcPct val="200000"/>
+              </a:lnSpc>
+              <a:buAutoNum type="arabicPeriod"/>
+              <a:defRPr sz="2800">
+                <a:solidFill>
+                  <a:srgbClr val="253957"/>
+                </a:solidFill>
+                <a:latin typeface="+mn-lt"/>
+                <a:ea typeface="+mn-ea"/>
+                <a:cs typeface="+mn-cs"/>
+                <a:sym typeface="Arial Narrow"/>
+              </a:defRPr>
+            </a:pPr>
+            <a:r>
+              <a:rPr lang="en-US" sz="5400" dirty="0" smtClean="0">
+                <a:solidFill>
+                  <a:srgbClr val="002060"/>
+                </a:solidFill>
+              </a:rPr>
+              <a:t>TODO</a:t>
+            </a:r>
+            <a:endParaRPr lang="ru-RU" sz="5400" dirty="0" smtClean="0">
+              <a:solidFill>
+                <a:srgbClr val="002060"/>
+              </a:solidFill>
+            </a:endParaRPr>
+          </a:p>
+        </p:txBody>
+      </p:sp>
+      <p:sp>
+        <p:nvSpPr>
+          <p:cNvPr id="62" name="Название подразделения, лаборатории, факультета и т.д."/>
+          <p:cNvSpPr txBox="1"/>
+          <p:nvPr/>
+        </p:nvSpPr>
+        <p:spPr>
+          <a:xfrm>
+            <a:off x="11338744" y="942364"/>
+            <a:ext cx="11366416" cy="513601"/>
+          </a:xfrm>
+          <a:prstGeom prst="rect">
+            <a:avLst/>
+          </a:prstGeom>
+          <a:ln w="12700">
+            <a:miter lim="400000"/>
+          </a:ln>
+          <a:extLst>
+            <a:ext uri="{C572A759-6A51-4108-AA02-DFA0A04FC94B}">
+              <ma14:wrappingTextBoxFlag xmlns="" xmlns:m="http://schemas.openxmlformats.org/officeDocument/2006/math" xmlns:a14="http://schemas.microsoft.com/office/drawing/2010/main" xmlns:ma14="http://schemas.microsoft.com/office/mac/drawingml/2011/main" val="1"/>
+            </a:ext>
+          </a:extLst>
+        </p:spPr>
+        <p:txBody>
+          <a:bodyPr lIns="71437" tIns="71437" rIns="71437" bIns="71437" anchor="ctr">
+            <a:spAutoFit/>
+          </a:bodyPr>
+          <a:lstStyle>
+            <a:lvl1pPr algn="r">
+              <a:defRPr sz="2400">
+                <a:solidFill>
+                  <a:srgbClr val="253957"/>
+                </a:solidFill>
+                <a:latin typeface="+mn-lt"/>
+                <a:ea typeface="+mn-ea"/>
+                <a:cs typeface="+mn-cs"/>
+                <a:sym typeface="Arial Narrow"/>
+              </a:defRPr>
+            </a:lvl1pPr>
+          </a:lstStyle>
+          <a:p>
+            <a:r>
+              <a:rPr lang="ru-RU" dirty="0" smtClean="0"/>
+              <a:t>Факультет компьютерных наук / Департамент программной инженерии</a:t>
+            </a:r>
+            <a:endParaRPr dirty="0"/>
+          </a:p>
+        </p:txBody>
+      </p:sp>
+      <p:pic>
+        <p:nvPicPr>
+          <p:cNvPr id="63" name="Изображение" descr="Изображение"/>
+          <p:cNvPicPr>
+            <a:picLocks noChangeAspect="1"/>
+          </p:cNvPicPr>
+          <p:nvPr/>
+        </p:nvPicPr>
+        <p:blipFill>
+          <a:blip r:embed="rId2" cstate="print">
+            <a:extLst/>
+          </a:blip>
+          <a:stretch>
+            <a:fillRect/>
+          </a:stretch>
+        </p:blipFill>
+        <p:spPr>
+          <a:xfrm>
+            <a:off x="1226606" y="586180"/>
+            <a:ext cx="1199579" cy="1199579"/>
+          </a:xfrm>
+          <a:prstGeom prst="rect">
+            <a:avLst/>
+          </a:prstGeom>
+          <a:ln w="12700">
+            <a:miter lim="400000"/>
+          </a:ln>
+        </p:spPr>
+      </p:pic>
+    </p:spTree>
+  </p:cSld>
+  <p:clrMapOvr>
+    <a:masterClrMapping/>
+  </p:clrMapOvr>
+  <p:transition spd="med"/>
+  <p:timing>
+    <p:tnLst>
+      <p:par>
+        <p:cTn id="1" dur="indefinite" restart="never" nodeType="tmRoot"/>
+      </p:par>
+    </p:tnLst>
+  </p:timing>
+</p:sld>
+</file>
+
+<file path=ppt/slides/slide8.xml><?xml version="1.0" encoding="utf-8"?>
+<p:sld xmlns:a="http://schemas.openxmlformats.org/drawingml/2006/main" xmlns:r="http://schemas.openxmlformats.org/officeDocument/2006/relationships" xmlns:p="http://schemas.openxmlformats.org/presentationml/2006/main">
+  <p:cSld>
+    <p:spTree>
+      <p:nvGrpSpPr>
+        <p:cNvPr id="1" name=""/>
+        <p:cNvGrpSpPr/>
+        <p:nvPr/>
+      </p:nvGrpSpPr>
+      <p:grpSpPr>
+        <a:xfrm>
+          <a:off x="0" y="0"/>
+          <a:ext cx="0" cy="0"/>
+          <a:chOff x="0" y="0"/>
+          <a:chExt cx="0" cy="0"/>
+        </a:xfrm>
+      </p:grpSpPr>
+      <p:sp>
+        <p:nvSpPr>
+          <p:cNvPr id="58" name="Линия"/>
+          <p:cNvSpPr/>
+          <p:nvPr/>
+        </p:nvSpPr>
+        <p:spPr>
+          <a:xfrm>
+            <a:off x="1201065" y="2214562"/>
+            <a:ext cx="21506373" cy="1"/>
+          </a:xfrm>
+          <a:prstGeom prst="line">
+            <a:avLst/>
+          </a:prstGeom>
+          <a:ln w="12700">
+            <a:solidFill>
+              <a:srgbClr val="253957"/>
+            </a:solidFill>
+            <a:miter lim="400000"/>
+          </a:ln>
+        </p:spPr>
+        <p:txBody>
+          <a:bodyPr lIns="71437" tIns="71437" rIns="71437" bIns="71437" anchor="ctr"/>
+          <a:lstStyle/>
+          <a:p>
+            <a:pPr>
+              <a:defRPr sz="3200"/>
+            </a:pPr>
+            <a:endParaRPr/>
+          </a:p>
+        </p:txBody>
+      </p:sp>
+      <p:sp>
+        <p:nvSpPr>
+          <p:cNvPr id="59" name="Очень крутой заголовок…"/>
+          <p:cNvSpPr txBox="1"/>
+          <p:nvPr/>
+        </p:nvSpPr>
+        <p:spPr>
+          <a:xfrm>
+            <a:off x="1209448" y="2537520"/>
+            <a:ext cx="21567727" cy="2313227"/>
+          </a:xfrm>
+          <a:prstGeom prst="rect">
+            <a:avLst/>
+          </a:prstGeom>
+          <a:ln w="12700">
+            <a:miter lim="400000"/>
+          </a:ln>
+          <a:extLst>
+            <a:ext uri="{C572A759-6A51-4108-AA02-DFA0A04FC94B}">
+              <ma14:wrappingTextBoxFlag xmlns="" xmlns:m="http://schemas.openxmlformats.org/officeDocument/2006/math" xmlns:a14="http://schemas.microsoft.com/office/drawing/2010/main" xmlns:ma14="http://schemas.microsoft.com/office/mac/drawingml/2011/main" val="1"/>
+            </a:ext>
+          </a:extLst>
+        </p:spPr>
+        <p:txBody>
+          <a:bodyPr lIns="71437" tIns="71437" rIns="71437" bIns="71437"/>
+          <a:lstStyle/>
+          <a:p>
+            <a:pPr>
+              <a:defRPr sz="7000" b="1" cap="all">
+                <a:solidFill>
+                  <a:srgbClr val="253957"/>
+                </a:solidFill>
+                <a:latin typeface="+mn-lt"/>
+                <a:ea typeface="+mn-ea"/>
+                <a:cs typeface="+mn-cs"/>
+                <a:sym typeface="Arial Narrow"/>
+              </a:defRPr>
+            </a:pPr>
+            <a:r>
+              <a:rPr lang="ru-RU" dirty="0" smtClean="0"/>
+              <a:t>литература</a:t>
+            </a:r>
+            <a:endParaRPr dirty="0"/>
+          </a:p>
+        </p:txBody>
+      </p:sp>
+      <p:sp>
+        <p:nvSpPr>
+          <p:cNvPr id="60" name="Text Text Text Text Text Text Text Text Text Text Text Text Text Text Text Text Text Text Text Text Text Text Text Text Text Text Text Text Text Text Text Text Text Text Text Text Text Text Text Text Text Text Text Text Text Text Text Text Text Text Text Text Text Text Text Text Text Text Text Text Text Text Text Text Text Text Text Text Text Text Text Text Text Text Text Text Text Text Text Text Text Text Text Text Text Text Text Text Text Text Text Text Text Text Text Text Text Text Text Text Text Text Text Text Text Text Text Text…"/>
+          <p:cNvSpPr txBox="1"/>
+          <p:nvPr/>
+        </p:nvSpPr>
+        <p:spPr>
+          <a:xfrm>
+            <a:off x="1201065" y="3977680"/>
+            <a:ext cx="21506374" cy="8712968"/>
+          </a:xfrm>
+          <a:prstGeom prst="rect">
+            <a:avLst/>
+          </a:prstGeom>
+          <a:ln w="12700">
+            <a:miter lim="400000"/>
+          </a:ln>
+          <a:extLst>
+            <a:ext uri="{C572A759-6A51-4108-AA02-DFA0A04FC94B}">
+              <ma14:wrappingTextBoxFlag xmlns="" xmlns:m="http://schemas.openxmlformats.org/officeDocument/2006/math" xmlns:a14="http://schemas.microsoft.com/office/drawing/2010/main" xmlns:ma14="http://schemas.microsoft.com/office/mac/drawingml/2011/main" val="1"/>
+            </a:ext>
+          </a:extLst>
+        </p:spPr>
+        <p:txBody>
+          <a:bodyPr lIns="71437" tIns="71437" rIns="71437" bIns="71437"/>
+          <a:lstStyle/>
+          <a:p>
+            <a:pPr marL="1143000" indent="-1143000" algn="l">
+              <a:spcAft>
+                <a:spcPts val="600"/>
+              </a:spcAft>
+              <a:buFont typeface="+mj-lt"/>
+              <a:buAutoNum type="arabicPeriod"/>
+              <a:defRPr sz="2800">
+                <a:solidFill>
+                  <a:srgbClr val="253957"/>
+                </a:solidFill>
+                <a:latin typeface="+mn-lt"/>
+                <a:ea typeface="+mn-ea"/>
+                <a:cs typeface="+mn-cs"/>
+                <a:sym typeface="Arial Narrow"/>
+              </a:defRPr>
+            </a:pPr>
+            <a:r>
+              <a:rPr lang="ru-RU" sz="6000" dirty="0" smtClean="0"/>
+              <a:t>Роман Савин – «Тестирование Дот Ком, или Пособие по жестокому обращению с </a:t>
+            </a:r>
+            <a:r>
+              <a:rPr lang="ru-RU" sz="6000" dirty="0" err="1" smtClean="0"/>
+              <a:t>багами</a:t>
+            </a:r>
+            <a:r>
+              <a:rPr lang="ru-RU" sz="6000" dirty="0" smtClean="0"/>
+              <a:t> в </a:t>
+            </a:r>
+            <a:r>
+              <a:rPr lang="ru-RU" sz="6000" dirty="0" err="1" smtClean="0"/>
+              <a:t>интернет-стартапах</a:t>
+            </a:r>
+            <a:r>
+              <a:rPr lang="ru-RU" sz="6000" dirty="0" smtClean="0"/>
+              <a:t>»</a:t>
+            </a:r>
+          </a:p>
+          <a:p>
+            <a:pPr marL="1143000" indent="-1143000" algn="l">
+              <a:spcAft>
+                <a:spcPts val="600"/>
+              </a:spcAft>
+              <a:buFont typeface="+mj-lt"/>
+              <a:buAutoNum type="arabicPeriod"/>
+              <a:defRPr sz="2800">
+                <a:solidFill>
+                  <a:srgbClr val="253957"/>
+                </a:solidFill>
+                <a:latin typeface="+mn-lt"/>
+                <a:ea typeface="+mn-ea"/>
+                <a:cs typeface="+mn-cs"/>
+                <a:sym typeface="Arial Narrow"/>
+              </a:defRPr>
+            </a:pPr>
+            <a:r>
+              <a:rPr lang="ru-RU" sz="6000" dirty="0" smtClean="0">
+                <a:solidFill>
+                  <a:srgbClr val="253957"/>
+                </a:solidFill>
+                <a:sym typeface="Arial Narrow"/>
+              </a:rPr>
+              <a:t>Сэм </a:t>
+            </a:r>
+            <a:r>
+              <a:rPr lang="ru-RU" sz="6000" dirty="0" err="1" smtClean="0"/>
+              <a:t>Канер</a:t>
+            </a:r>
+            <a:r>
+              <a:rPr lang="ru-RU" sz="6000" dirty="0" smtClean="0"/>
+              <a:t> – «Тестирование программного обеспечения» 	</a:t>
+            </a:r>
+          </a:p>
+          <a:p>
+            <a:pPr marL="1143000" indent="-1143000" algn="l">
+              <a:spcAft>
+                <a:spcPts val="600"/>
+              </a:spcAft>
+              <a:buFont typeface="+mj-lt"/>
+              <a:buAutoNum type="arabicPeriod"/>
+              <a:defRPr sz="2800">
+                <a:solidFill>
+                  <a:srgbClr val="253957"/>
+                </a:solidFill>
+                <a:latin typeface="+mn-lt"/>
+                <a:ea typeface="+mn-ea"/>
+                <a:cs typeface="+mn-cs"/>
+                <a:sym typeface="Arial Narrow"/>
+              </a:defRPr>
+            </a:pPr>
+            <a:r>
+              <a:rPr lang="ru-RU" sz="6000" dirty="0" smtClean="0"/>
+              <a:t>Джеймс </a:t>
+            </a:r>
+            <a:r>
+              <a:rPr lang="ru-RU" sz="6000" dirty="0" err="1" smtClean="0"/>
+              <a:t>Уиттакер</a:t>
+            </a:r>
+            <a:r>
+              <a:rPr lang="ru-RU" sz="6000" dirty="0" smtClean="0"/>
+              <a:t> – «Как тестируют в </a:t>
+            </a:r>
+            <a:r>
+              <a:rPr lang="ru-RU" sz="6000" dirty="0" err="1" smtClean="0"/>
+              <a:t>Google</a:t>
+            </a:r>
+            <a:r>
+              <a:rPr lang="ru-RU" sz="6000" dirty="0" smtClean="0"/>
+              <a:t>»</a:t>
+            </a:r>
+          </a:p>
+          <a:p>
+            <a:pPr marL="1143000" indent="-1143000" algn="l">
+              <a:spcAft>
+                <a:spcPts val="600"/>
+              </a:spcAft>
+              <a:buFont typeface="+mj-lt"/>
+              <a:buAutoNum type="arabicPeriod"/>
+              <a:defRPr sz="2800">
+                <a:solidFill>
+                  <a:srgbClr val="253957"/>
+                </a:solidFill>
+                <a:latin typeface="+mn-lt"/>
+                <a:ea typeface="+mn-ea"/>
+                <a:cs typeface="+mn-cs"/>
+                <a:sym typeface="Arial Narrow"/>
+              </a:defRPr>
+            </a:pPr>
+            <a:r>
+              <a:rPr lang="ru-RU" sz="6000" dirty="0" smtClean="0"/>
+              <a:t>Стив </a:t>
+            </a:r>
+            <a:r>
+              <a:rPr lang="ru-RU" sz="6000" dirty="0" err="1" smtClean="0"/>
+              <a:t>Макконнелл</a:t>
+            </a:r>
+            <a:r>
+              <a:rPr lang="ru-RU" sz="6000" dirty="0" smtClean="0"/>
+              <a:t> – «Совершенный код»</a:t>
+            </a:r>
+          </a:p>
+          <a:p>
+            <a:pPr marL="1143000" indent="-1143000" algn="l">
+              <a:spcAft>
+                <a:spcPts val="600"/>
+              </a:spcAft>
+              <a:buFont typeface="+mj-lt"/>
+              <a:buAutoNum type="arabicPeriod"/>
+              <a:defRPr sz="2800">
+                <a:solidFill>
+                  <a:srgbClr val="253957"/>
+                </a:solidFill>
+                <a:latin typeface="+mn-lt"/>
+                <a:ea typeface="+mn-ea"/>
+                <a:cs typeface="+mn-cs"/>
+                <a:sym typeface="Arial Narrow"/>
+              </a:defRPr>
+            </a:pPr>
+            <a:r>
+              <a:rPr lang="ru-RU" sz="6000" dirty="0" smtClean="0"/>
+              <a:t>Борис </a:t>
+            </a:r>
+            <a:r>
+              <a:rPr lang="ru-RU" sz="6000" dirty="0" err="1" smtClean="0"/>
+              <a:t>Бейзер</a:t>
+            </a:r>
+            <a:r>
+              <a:rPr lang="ru-RU" sz="6000" dirty="0" smtClean="0"/>
+              <a:t> – «Тестирование черного ящика. Технологии функционального тестирования программного обеспечения и систем»</a:t>
+            </a:r>
+          </a:p>
+          <a:p>
+            <a:pPr marL="1143000" indent="-1143000" algn="l">
+              <a:spcAft>
+                <a:spcPts val="600"/>
+              </a:spcAft>
+              <a:buFont typeface="+mj-lt"/>
+              <a:buAutoNum type="arabicPeriod"/>
+              <a:defRPr sz="2800">
+                <a:solidFill>
+                  <a:srgbClr val="253957"/>
+                </a:solidFill>
+                <a:latin typeface="+mn-lt"/>
+                <a:ea typeface="+mn-ea"/>
+                <a:cs typeface="+mn-cs"/>
+                <a:sym typeface="Arial Narrow"/>
+              </a:defRPr>
+            </a:pPr>
+            <a:r>
+              <a:rPr lang="ru-RU" sz="6000" dirty="0" err="1" smtClean="0"/>
+              <a:t>Иан</a:t>
+            </a:r>
+            <a:r>
+              <a:rPr lang="ru-RU" sz="6000" dirty="0" smtClean="0"/>
+              <a:t> </a:t>
+            </a:r>
+            <a:r>
+              <a:rPr lang="ru-RU" sz="6000" dirty="0" err="1" smtClean="0"/>
+              <a:t>Соммервилл</a:t>
+            </a:r>
+            <a:r>
+              <a:rPr lang="ru-RU" sz="6000" dirty="0" smtClean="0"/>
+              <a:t> – «Инженерия программного обеспечения»</a:t>
+            </a:r>
+          </a:p>
+          <a:p>
+            <a:pPr algn="l">
+              <a:defRPr sz="2800">
+                <a:solidFill>
+                  <a:srgbClr val="253957"/>
+                </a:solidFill>
+                <a:latin typeface="+mn-lt"/>
+                <a:ea typeface="+mn-ea"/>
+                <a:cs typeface="+mn-cs"/>
+                <a:sym typeface="Arial Narrow"/>
+              </a:defRPr>
+            </a:pPr>
+            <a:endParaRPr lang="ru-RU" dirty="0"/>
+          </a:p>
+        </p:txBody>
+      </p:sp>
+      <p:sp>
+        <p:nvSpPr>
+          <p:cNvPr id="62" name="Название подразделения, лаборатории, факультета и т.д."/>
+          <p:cNvSpPr txBox="1"/>
+          <p:nvPr/>
+        </p:nvSpPr>
+        <p:spPr>
+          <a:xfrm>
+            <a:off x="11338744" y="942364"/>
+            <a:ext cx="11366416" cy="513601"/>
+          </a:xfrm>
+          <a:prstGeom prst="rect">
+            <a:avLst/>
+          </a:prstGeom>
+          <a:ln w="12700">
+            <a:miter lim="400000"/>
+          </a:ln>
+          <a:extLst>
+            <a:ext uri="{C572A759-6A51-4108-AA02-DFA0A04FC94B}">
+              <ma14:wrappingTextBoxFlag xmlns="" xmlns:m="http://schemas.openxmlformats.org/officeDocument/2006/math" xmlns:a14="http://schemas.microsoft.com/office/drawing/2010/main" xmlns:ma14="http://schemas.microsoft.com/office/mac/drawingml/2011/main" val="1"/>
+            </a:ext>
+          </a:extLst>
+        </p:spPr>
+        <p:txBody>
+          <a:bodyPr lIns="71437" tIns="71437" rIns="71437" bIns="71437" anchor="ctr">
+            <a:spAutoFit/>
+          </a:bodyPr>
+          <a:lstStyle>
+            <a:lvl1pPr algn="r">
+              <a:defRPr sz="2400">
+                <a:solidFill>
+                  <a:srgbClr val="253957"/>
+                </a:solidFill>
+                <a:latin typeface="+mn-lt"/>
+                <a:ea typeface="+mn-ea"/>
+                <a:cs typeface="+mn-cs"/>
+                <a:sym typeface="Arial Narrow"/>
+              </a:defRPr>
+            </a:lvl1pPr>
+          </a:lstStyle>
+          <a:p>
+            <a:r>
+              <a:rPr lang="ru-RU" dirty="0" smtClean="0"/>
+              <a:t>Факультет компьютерных наук / Департамент программной инженерии</a:t>
+            </a:r>
+            <a:endParaRPr dirty="0"/>
+          </a:p>
+        </p:txBody>
+      </p:sp>
+      <p:pic>
+        <p:nvPicPr>
+          <p:cNvPr id="63" name="Изображение" descr="Изображение"/>
+          <p:cNvPicPr>
+            <a:picLocks noChangeAspect="1"/>
+          </p:cNvPicPr>
+          <p:nvPr/>
+        </p:nvPicPr>
+        <p:blipFill>
+          <a:blip r:embed="rId2" cstate="print">
+            <a:extLst/>
+          </a:blip>
+          <a:stretch>
+            <a:fillRect/>
+          </a:stretch>
+        </p:blipFill>
+        <p:spPr>
+          <a:xfrm>
+            <a:off x="1226606" y="586180"/>
+            <a:ext cx="1199579" cy="1199579"/>
+          </a:xfrm>
+          <a:prstGeom prst="rect">
+            <a:avLst/>
+          </a:prstGeom>
+          <a:ln w="12700">
+            <a:miter lim="400000"/>
+          </a:ln>
+        </p:spPr>
+      </p:pic>
+    </p:spTree>
+  </p:cSld>
+  <p:clrMapOvr>
+    <a:masterClrMapping/>
+  </p:clrMapOvr>
+  <p:transition spd="med"/>
+  <p:timing>
+    <p:tnLst>
+      <p:par>
+        <p:cTn id="1" dur="indefinite" restart="never" nodeType="tmRoot"/>
+      </p:par>
+    </p:tnLst>
+  </p:timing>
+</p:sld>
+</file>
+
+<file path=ppt/slides/slide9.xml><?xml version="1.0" encoding="utf-8"?>
+<p:sld xmlns:a="http://schemas.openxmlformats.org/drawingml/2006/main" xmlns:r="http://schemas.openxmlformats.org/officeDocument/2006/relationships" xmlns:p="http://schemas.openxmlformats.org/presentationml/2006/main">
+  <p:cSld>
+    <p:spTree>
+      <p:nvGrpSpPr>
+        <p:cNvPr id="1" name=""/>
+        <p:cNvGrpSpPr/>
+        <p:nvPr/>
+      </p:nvGrpSpPr>
+      <p:grpSpPr>
+        <a:xfrm>
+          <a:off x="0" y="0"/>
+          <a:ext cx="0" cy="0"/>
+          <a:chOff x="0" y="0"/>
+          <a:chExt cx="0" cy="0"/>
+        </a:xfrm>
+      </p:grpSpPr>
       <p:pic>
         <p:nvPicPr>
           <p:cNvPr id="103" name="Изображение" descr="Изображение"/>
@@ -5095,7 +6673,7 @@
           </a:ln>
           <a:extLst>
             <a:ext uri="{C572A759-6A51-4108-AA02-DFA0A04FC94B}">
-              <ma14:wrappingTextBoxFlag xmlns:ma14="http://schemas.microsoft.com/office/mac/drawingml/2011/main" xmlns:a14="http://schemas.microsoft.com/office/drawing/2010/main" xmlns:m="http://schemas.openxmlformats.org/officeDocument/2006/math" xmlns="" val="1"/>
+              <ma14:wrappingTextBoxFlag xmlns="" xmlns:m="http://schemas.openxmlformats.org/officeDocument/2006/math" xmlns:a14="http://schemas.microsoft.com/office/drawing/2010/main" xmlns:ma14="http://schemas.microsoft.com/office/mac/drawingml/2011/main" val="1"/>
             </a:ext>
           </a:extLst>
         </p:spPr>

--- a/seminars/seminar02/Seminar02.pptx
+++ b/seminars/seminar02/Seminar02.pptx
@@ -318,6 +318,22 @@
       </a:defRPr>
     </a:lvl9pPr>
   </p:defaultTextStyle>
+  <p:extLst>
+    <p:ext uri="{EFAFB233-063F-42B5-8137-9DF3F51BA10A}">
+      <p15:sldGuideLst xmlns:p15="http://schemas.microsoft.com/office/powerpoint/2012/main">
+        <p15:guide id="1" orient="horz" pos="4320">
+          <p15:clr>
+            <a:srgbClr val="A4A3A4"/>
+          </p15:clr>
+        </p15:guide>
+        <p15:guide id="2" pos="7680">
+          <p15:clr>
+            <a:srgbClr val="A4A3A4"/>
+          </p15:clr>
+        </p15:guide>
+      </p15:sldGuideLst>
+    </p:ext>
+  </p:extLst>
 </p:presentation>
 </file>
 
@@ -400,7 +416,7 @@
     </p:spTree>
     <p:extLst>
       <p:ext uri="{BB962C8B-B14F-4D97-AF65-F5344CB8AC3E}">
-        <p14:creationId xmlns:p14="http://schemas.microsoft.com/office/powerpoint/2010/main" xmlns="" val="1166211256"/>
+        <p14:creationId xmlns:p14="http://schemas.microsoft.com/office/powerpoint/2010/main" val="1166211256"/>
       </p:ext>
     </p:extLst>
   </p:cSld>
@@ -2099,7 +2115,7 @@
           </a:ln>
           <a:extLst>
             <a:ext uri="{C572A759-6A51-4108-AA02-DFA0A04FC94B}">
-              <ma14:wrappingTextBoxFlag xmlns="" xmlns:m="http://schemas.openxmlformats.org/officeDocument/2006/math" xmlns:a14="http://schemas.microsoft.com/office/drawing/2010/main" xmlns:ma14="http://schemas.microsoft.com/office/mac/drawingml/2011/main" val="1"/>
+              <ma14:wrappingTextBoxFlag xmlns:ma14="http://schemas.microsoft.com/office/mac/drawingml/2011/main" xmlns:a14="http://schemas.microsoft.com/office/drawing/2010/main" xmlns:m="http://schemas.openxmlformats.org/officeDocument/2006/math" xmlns="" val="1"/>
             </a:ext>
           </a:extLst>
         </p:spPr>
@@ -2138,7 +2154,7 @@
           </a:ln>
           <a:extLst>
             <a:ext uri="{C572A759-6A51-4108-AA02-DFA0A04FC94B}">
-              <ma14:wrappingTextBoxFlag xmlns="" xmlns:m="http://schemas.openxmlformats.org/officeDocument/2006/math" xmlns:a14="http://schemas.microsoft.com/office/drawing/2010/main" xmlns:ma14="http://schemas.microsoft.com/office/mac/drawingml/2011/main" val="1"/>
+              <ma14:wrappingTextBoxFlag xmlns:ma14="http://schemas.microsoft.com/office/mac/drawingml/2011/main" xmlns:a14="http://schemas.microsoft.com/office/drawing/2010/main" xmlns:m="http://schemas.openxmlformats.org/officeDocument/2006/math" xmlns="" val="1"/>
             </a:ext>
           </a:extLst>
         </p:spPr>
@@ -3099,7 +3115,7 @@
           </a:ln>
           <a:extLst>
             <a:ext uri="{C572A759-6A51-4108-AA02-DFA0A04FC94B}">
-              <ma14:wrappingTextBoxFlag xmlns="" xmlns:m="http://schemas.openxmlformats.org/officeDocument/2006/math" xmlns:a14="http://schemas.microsoft.com/office/drawing/2010/main" xmlns:ma14="http://schemas.microsoft.com/office/mac/drawingml/2011/main" val="1"/>
+              <ma14:wrappingTextBoxFlag xmlns:ma14="http://schemas.microsoft.com/office/mac/drawingml/2011/main" xmlns:a14="http://schemas.microsoft.com/office/drawing/2010/main" xmlns:m="http://schemas.openxmlformats.org/officeDocument/2006/math" xmlns="" val="1"/>
             </a:ext>
           </a:extLst>
         </p:spPr>
@@ -3153,7 +3169,7 @@
           </a:ln>
           <a:extLst>
             <a:ext uri="{C572A759-6A51-4108-AA02-DFA0A04FC94B}">
-              <ma14:wrappingTextBoxFlag xmlns="" xmlns:m="http://schemas.openxmlformats.org/officeDocument/2006/math" xmlns:a14="http://schemas.microsoft.com/office/drawing/2010/main" xmlns:ma14="http://schemas.microsoft.com/office/mac/drawingml/2011/main" val="1"/>
+              <ma14:wrappingTextBoxFlag xmlns:ma14="http://schemas.microsoft.com/office/mac/drawingml/2011/main" xmlns:a14="http://schemas.microsoft.com/office/drawing/2010/main" xmlns:m="http://schemas.openxmlformats.org/officeDocument/2006/math" xmlns="" val="1"/>
             </a:ext>
           </a:extLst>
         </p:spPr>
@@ -3180,15 +3196,7 @@
                   <a:srgbClr val="002060"/>
                 </a:solidFill>
               </a:rPr>
-              <a:t>Семинар 2: Инспекции </a:t>
-            </a:r>
-            <a:r>
-              <a:rPr lang="ru-RU" sz="6000" dirty="0" smtClean="0">
-                <a:solidFill>
-                  <a:srgbClr val="002060"/>
-                </a:solidFill>
-              </a:rPr>
-              <a:t>кода</a:t>
+              <a:t>Семинар 2: Инспекции кода</a:t>
             </a:r>
             <a:endParaRPr sz="6000" dirty="0">
               <a:solidFill>
@@ -3217,7 +3225,7 @@
           </a:ln>
           <a:extLst>
             <a:ext uri="{C572A759-6A51-4108-AA02-DFA0A04FC94B}">
-              <ma14:wrappingTextBoxFlag xmlns="" xmlns:m="http://schemas.openxmlformats.org/officeDocument/2006/math" xmlns:a14="http://schemas.microsoft.com/office/drawing/2010/main" xmlns:ma14="http://schemas.microsoft.com/office/mac/drawingml/2011/main" val="1"/>
+              <ma14:wrappingTextBoxFlag xmlns:ma14="http://schemas.microsoft.com/office/mac/drawingml/2011/main" xmlns:a14="http://schemas.microsoft.com/office/drawing/2010/main" xmlns:m="http://schemas.openxmlformats.org/officeDocument/2006/math" xmlns="" val="1"/>
             </a:ext>
           </a:extLst>
         </p:spPr>
@@ -3296,7 +3304,7 @@
           </a:ln>
           <a:extLst>
             <a:ext uri="{C572A759-6A51-4108-AA02-DFA0A04FC94B}">
-              <ma14:wrappingTextBoxFlag xmlns="" xmlns:m="http://schemas.openxmlformats.org/officeDocument/2006/math" xmlns:a14="http://schemas.microsoft.com/office/drawing/2010/main" xmlns:ma14="http://schemas.microsoft.com/office/mac/drawingml/2011/main" val="1"/>
+              <ma14:wrappingTextBoxFlag xmlns:ma14="http://schemas.microsoft.com/office/mac/drawingml/2011/main" xmlns:a14="http://schemas.microsoft.com/office/drawing/2010/main" xmlns:m="http://schemas.openxmlformats.org/officeDocument/2006/math" xmlns="" val="1"/>
             </a:ext>
           </a:extLst>
         </p:spPr>
@@ -3472,7 +3480,7 @@
           </a:ln>
           <a:extLst>
             <a:ext uri="{C572A759-6A51-4108-AA02-DFA0A04FC94B}">
-              <ma14:wrappingTextBoxFlag xmlns="" xmlns:m="http://schemas.openxmlformats.org/officeDocument/2006/math" xmlns:a14="http://schemas.microsoft.com/office/drawing/2010/main" xmlns:ma14="http://schemas.microsoft.com/office/mac/drawingml/2011/main" val="1"/>
+              <ma14:wrappingTextBoxFlag xmlns:ma14="http://schemas.microsoft.com/office/mac/drawingml/2011/main" xmlns:a14="http://schemas.microsoft.com/office/drawing/2010/main" xmlns:m="http://schemas.openxmlformats.org/officeDocument/2006/math" xmlns="" val="1"/>
             </a:ext>
           </a:extLst>
         </p:spPr>
@@ -3518,7 +3526,7 @@
           </a:ln>
           <a:extLst>
             <a:ext uri="{C572A759-6A51-4108-AA02-DFA0A04FC94B}">
-              <ma14:wrappingTextBoxFlag xmlns="" xmlns:m="http://schemas.openxmlformats.org/officeDocument/2006/math" xmlns:a14="http://schemas.microsoft.com/office/drawing/2010/main" xmlns:ma14="http://schemas.microsoft.com/office/mac/drawingml/2011/main" val="1"/>
+              <ma14:wrappingTextBoxFlag xmlns:ma14="http://schemas.microsoft.com/office/mac/drawingml/2011/main" xmlns:a14="http://schemas.microsoft.com/office/drawing/2010/main" xmlns:m="http://schemas.openxmlformats.org/officeDocument/2006/math" xmlns="" val="1"/>
             </a:ext>
           </a:extLst>
         </p:spPr>
@@ -3721,7 +3729,7 @@
           </a:ln>
           <a:extLst>
             <a:ext uri="{C572A759-6A51-4108-AA02-DFA0A04FC94B}">
-              <ma14:wrappingTextBoxFlag xmlns="" xmlns:m="http://schemas.openxmlformats.org/officeDocument/2006/math" xmlns:a14="http://schemas.microsoft.com/office/drawing/2010/main" xmlns:ma14="http://schemas.microsoft.com/office/mac/drawingml/2011/main" val="1"/>
+              <ma14:wrappingTextBoxFlag xmlns:ma14="http://schemas.microsoft.com/office/mac/drawingml/2011/main" xmlns:a14="http://schemas.microsoft.com/office/drawing/2010/main" xmlns:m="http://schemas.openxmlformats.org/officeDocument/2006/math" xmlns="" val="1"/>
             </a:ext>
           </a:extLst>
         </p:spPr>
@@ -3864,7 +3872,7 @@
           </a:ln>
           <a:extLst>
             <a:ext uri="{C572A759-6A51-4108-AA02-DFA0A04FC94B}">
-              <ma14:wrappingTextBoxFlag xmlns="" xmlns:m="http://schemas.openxmlformats.org/officeDocument/2006/math" xmlns:a14="http://schemas.microsoft.com/office/drawing/2010/main" xmlns:ma14="http://schemas.microsoft.com/office/mac/drawingml/2011/main" val="1"/>
+              <ma14:wrappingTextBoxFlag xmlns:ma14="http://schemas.microsoft.com/office/mac/drawingml/2011/main" xmlns:a14="http://schemas.microsoft.com/office/drawing/2010/main" xmlns:m="http://schemas.openxmlformats.org/officeDocument/2006/math" xmlns="" val="1"/>
             </a:ext>
           </a:extLst>
         </p:spPr>
@@ -3910,7 +3918,7 @@
           </a:ln>
           <a:extLst>
             <a:ext uri="{C572A759-6A51-4108-AA02-DFA0A04FC94B}">
-              <ma14:wrappingTextBoxFlag xmlns="" xmlns:m="http://schemas.openxmlformats.org/officeDocument/2006/math" xmlns:a14="http://schemas.microsoft.com/office/drawing/2010/main" xmlns:ma14="http://schemas.microsoft.com/office/mac/drawingml/2011/main" val="1"/>
+              <ma14:wrappingTextBoxFlag xmlns:ma14="http://schemas.microsoft.com/office/mac/drawingml/2011/main" xmlns:a14="http://schemas.microsoft.com/office/drawing/2010/main" xmlns:m="http://schemas.openxmlformats.org/officeDocument/2006/math" xmlns="" val="1"/>
             </a:ext>
           </a:extLst>
         </p:spPr>
@@ -4724,19 +4732,19 @@
         <p:nvCxnSpPr>
           <p:cNvPr id="87" name="Скругленная соединительная линия 86"/>
           <p:cNvCxnSpPr>
-            <a:stCxn id="8" idx="3"/>
+            <a:stCxn id="10" idx="4"/>
             <a:endCxn id="7" idx="4"/>
           </p:cNvCxnSpPr>
           <p:nvPr/>
         </p:nvCxnSpPr>
         <p:spPr>
           <a:xfrm rot="5400000">
-            <a:off x="11189442" y="1447730"/>
-            <a:ext cx="184136" cy="15316924"/>
+            <a:off x="9239672" y="3581636"/>
+            <a:ext cx="12700" cy="11233248"/>
           </a:xfrm>
           <a:prstGeom prst="curvedConnector3">
             <a:avLst>
-              <a:gd name="adj1" fmla="val 988584"/>
+              <a:gd name="adj1" fmla="val 13400000"/>
             </a:avLst>
           </a:prstGeom>
           <a:noFill/>
@@ -4791,6 +4799,50 @@
             <a:prstDash val="dash"/>
             <a:miter lim="400000"/>
             <a:tailEnd type="arrow"/>
+          </a:ln>
+          <a:effectLst/>
+          <a:sp3d/>
+        </p:spPr>
+        <p:style>
+          <a:lnRef idx="0">
+            <a:scrgbClr r="0" g="0" b="0"/>
+          </a:lnRef>
+          <a:fillRef idx="0">
+            <a:scrgbClr r="0" g="0" b="0"/>
+          </a:fillRef>
+          <a:effectRef idx="0">
+            <a:scrgbClr r="0" g="0" b="0"/>
+          </a:effectRef>
+          <a:fontRef idx="none"/>
+        </p:style>
+      </p:cxnSp>
+      <p:cxnSp>
+        <p:nvCxnSpPr>
+          <p:cNvPr id="13" name="Скругленная соединительная линия 12"/>
+          <p:cNvCxnSpPr>
+            <a:stCxn id="9" idx="4"/>
+            <a:endCxn id="7" idx="5"/>
+          </p:cNvCxnSpPr>
+          <p:nvPr/>
+        </p:nvCxnSpPr>
+        <p:spPr>
+          <a:xfrm rot="5400000" flipH="1">
+            <a:off x="7085377" y="6395893"/>
+            <a:ext cx="205634" cy="5399101"/>
+          </a:xfrm>
+          <a:prstGeom prst="curvedConnector3">
+            <a:avLst>
+              <a:gd name="adj1" fmla="val -271745"/>
+            </a:avLst>
+          </a:prstGeom>
+          <a:noFill/>
+          <a:ln w="76200" cap="flat">
+            <a:solidFill>
+              <a:srgbClr val="0070C0"/>
+            </a:solidFill>
+            <a:prstDash val="dash"/>
+            <a:miter lim="400000"/>
+            <a:tailEnd type="triangle"/>
           </a:ln>
           <a:effectLst/>
           <a:sp3d/>
@@ -4892,7 +4944,7 @@
           </a:ln>
           <a:extLst>
             <a:ext uri="{C572A759-6A51-4108-AA02-DFA0A04FC94B}">
-              <ma14:wrappingTextBoxFlag xmlns="" xmlns:m="http://schemas.openxmlformats.org/officeDocument/2006/math" xmlns:a14="http://schemas.microsoft.com/office/drawing/2010/main" xmlns:ma14="http://schemas.microsoft.com/office/mac/drawingml/2011/main" val="1"/>
+              <ma14:wrappingTextBoxFlag xmlns:ma14="http://schemas.microsoft.com/office/mac/drawingml/2011/main" xmlns:a14="http://schemas.microsoft.com/office/drawing/2010/main" xmlns:m="http://schemas.openxmlformats.org/officeDocument/2006/math" xmlns="" val="1"/>
             </a:ext>
           </a:extLst>
         </p:spPr>
@@ -4938,7 +4990,7 @@
           </a:ln>
           <a:extLst>
             <a:ext uri="{C572A759-6A51-4108-AA02-DFA0A04FC94B}">
-              <ma14:wrappingTextBoxFlag xmlns="" xmlns:m="http://schemas.openxmlformats.org/officeDocument/2006/math" xmlns:a14="http://schemas.microsoft.com/office/drawing/2010/main" xmlns:ma14="http://schemas.microsoft.com/office/mac/drawingml/2011/main" val="1"/>
+              <ma14:wrappingTextBoxFlag xmlns:ma14="http://schemas.microsoft.com/office/mac/drawingml/2011/main" xmlns:a14="http://schemas.microsoft.com/office/drawing/2010/main" xmlns:m="http://schemas.openxmlformats.org/officeDocument/2006/math" xmlns="" val="1"/>
             </a:ext>
           </a:extLst>
         </p:spPr>
@@ -4977,11 +5029,6 @@
               </a:rPr>
               <a:t> (https://github.com)</a:t>
             </a:r>
-            <a:endParaRPr lang="en-US" sz="5400" dirty="0" smtClean="0">
-              <a:solidFill>
-                <a:srgbClr val="002060"/>
-              </a:solidFill>
-            </a:endParaRPr>
           </a:p>
           <a:p>
             <a:pPr marL="1143000" indent="-1143000" algn="l">
@@ -5127,31 +5174,7 @@
                   <a:srgbClr val="002060"/>
                 </a:solidFill>
               </a:rPr>
-              <a:t> (</a:t>
-            </a:r>
-            <a:r>
-              <a:rPr lang="en-US" sz="5400" dirty="0" smtClean="0">
-                <a:solidFill>
-                  <a:srgbClr val="002060"/>
-                </a:solidFill>
-              </a:rPr>
-              <a:t>https</a:t>
-            </a:r>
-            <a:r>
-              <a:rPr lang="en-US" sz="5400" dirty="0" smtClean="0">
-                <a:solidFill>
-                  <a:srgbClr val="002060"/>
-                </a:solidFill>
-              </a:rPr>
-              <a:t>://</a:t>
-            </a:r>
-            <a:r>
-              <a:rPr lang="en-US" sz="5400" dirty="0" smtClean="0">
-                <a:solidFill>
-                  <a:srgbClr val="002060"/>
-                </a:solidFill>
-              </a:rPr>
-              <a:t>www.redmine.org)</a:t>
+              <a:t> (https://www.redmine.org)</a:t>
             </a:r>
             <a:endParaRPr lang="ru-RU" sz="5400" dirty="0" smtClean="0">
               <a:solidFill>
@@ -5210,7 +5233,7 @@
           </a:ln>
           <a:extLst>
             <a:ext uri="{C572A759-6A51-4108-AA02-DFA0A04FC94B}">
-              <ma14:wrappingTextBoxFlag xmlns="" xmlns:m="http://schemas.openxmlformats.org/officeDocument/2006/math" xmlns:a14="http://schemas.microsoft.com/office/drawing/2010/main" xmlns:ma14="http://schemas.microsoft.com/office/mac/drawingml/2011/main" val="1"/>
+              <ma14:wrappingTextBoxFlag xmlns:ma14="http://schemas.microsoft.com/office/mac/drawingml/2011/main" xmlns:a14="http://schemas.microsoft.com/office/drawing/2010/main" xmlns:m="http://schemas.openxmlformats.org/officeDocument/2006/math" xmlns="" val="1"/>
             </a:ext>
           </a:extLst>
         </p:spPr>
@@ -5353,7 +5376,7 @@
           </a:ln>
           <a:extLst>
             <a:ext uri="{C572A759-6A51-4108-AA02-DFA0A04FC94B}">
-              <ma14:wrappingTextBoxFlag xmlns="" xmlns:m="http://schemas.openxmlformats.org/officeDocument/2006/math" xmlns:a14="http://schemas.microsoft.com/office/drawing/2010/main" xmlns:ma14="http://schemas.microsoft.com/office/mac/drawingml/2011/main" val="1"/>
+              <ma14:wrappingTextBoxFlag xmlns:ma14="http://schemas.microsoft.com/office/mac/drawingml/2011/main" xmlns:a14="http://schemas.microsoft.com/office/drawing/2010/main" xmlns:m="http://schemas.openxmlformats.org/officeDocument/2006/math" xmlns="" val="1"/>
             </a:ext>
           </a:extLst>
         </p:spPr>
@@ -5399,7 +5422,7 @@
           </a:ln>
           <a:extLst>
             <a:ext uri="{C572A759-6A51-4108-AA02-DFA0A04FC94B}">
-              <ma14:wrappingTextBoxFlag xmlns="" xmlns:m="http://schemas.openxmlformats.org/officeDocument/2006/math" xmlns:a14="http://schemas.microsoft.com/office/drawing/2010/main" xmlns:ma14="http://schemas.microsoft.com/office/mac/drawingml/2011/main" val="1"/>
+              <ma14:wrappingTextBoxFlag xmlns:ma14="http://schemas.microsoft.com/office/mac/drawingml/2011/main" xmlns:a14="http://schemas.microsoft.com/office/drawing/2010/main" xmlns:m="http://schemas.openxmlformats.org/officeDocument/2006/math" xmlns="" val="1"/>
             </a:ext>
           </a:extLst>
         </p:spPr>
@@ -5599,7 +5622,7 @@
           </a:ln>
           <a:extLst>
             <a:ext uri="{C572A759-6A51-4108-AA02-DFA0A04FC94B}">
-              <ma14:wrappingTextBoxFlag xmlns="" xmlns:m="http://schemas.openxmlformats.org/officeDocument/2006/math" xmlns:a14="http://schemas.microsoft.com/office/drawing/2010/main" xmlns:ma14="http://schemas.microsoft.com/office/mac/drawingml/2011/main" val="1"/>
+              <ma14:wrappingTextBoxFlag xmlns:ma14="http://schemas.microsoft.com/office/mac/drawingml/2011/main" xmlns:a14="http://schemas.microsoft.com/office/drawing/2010/main" xmlns:m="http://schemas.openxmlformats.org/officeDocument/2006/math" xmlns="" val="1"/>
             </a:ext>
           </a:extLst>
         </p:spPr>
@@ -5742,7 +5765,7 @@
           </a:ln>
           <a:extLst>
             <a:ext uri="{C572A759-6A51-4108-AA02-DFA0A04FC94B}">
-              <ma14:wrappingTextBoxFlag xmlns="" xmlns:m="http://schemas.openxmlformats.org/officeDocument/2006/math" xmlns:a14="http://schemas.microsoft.com/office/drawing/2010/main" xmlns:ma14="http://schemas.microsoft.com/office/mac/drawingml/2011/main" val="1"/>
+              <ma14:wrappingTextBoxFlag xmlns:ma14="http://schemas.microsoft.com/office/mac/drawingml/2011/main" xmlns:a14="http://schemas.microsoft.com/office/drawing/2010/main" xmlns:m="http://schemas.openxmlformats.org/officeDocument/2006/math" xmlns="" val="1"/>
             </a:ext>
           </a:extLst>
         </p:spPr>
@@ -5763,11 +5786,7 @@
             </a:pPr>
             <a:r>
               <a:rPr lang="ru-RU" dirty="0" smtClean="0"/>
-              <a:t>ЦЕЛИ </a:t>
-            </a:r>
-            <a:r>
-              <a:rPr lang="ru-RU" dirty="0" smtClean="0"/>
-              <a:t>РЕЗЕНЗИРОВАНИЯ КОДА</a:t>
+              <a:t>ЦЕЛИ РЕЗЕНЗИРОВАНИЯ КОДА</a:t>
             </a:r>
             <a:endParaRPr dirty="0"/>
           </a:p>
@@ -5792,7 +5811,7 @@
           </a:ln>
           <a:extLst>
             <a:ext uri="{C572A759-6A51-4108-AA02-DFA0A04FC94B}">
-              <ma14:wrappingTextBoxFlag xmlns="" xmlns:m="http://schemas.openxmlformats.org/officeDocument/2006/math" xmlns:a14="http://schemas.microsoft.com/office/drawing/2010/main" xmlns:ma14="http://schemas.microsoft.com/office/mac/drawingml/2011/main" val="1"/>
+              <ma14:wrappingTextBoxFlag xmlns:ma14="http://schemas.microsoft.com/office/mac/drawingml/2011/main" xmlns:a14="http://schemas.microsoft.com/office/drawing/2010/main" xmlns:m="http://schemas.openxmlformats.org/officeDocument/2006/math" xmlns="" val="1"/>
             </a:ext>
           </a:extLst>
         </p:spPr>
@@ -5802,7 +5821,7 @@
           <a:p>
             <a:pPr marL="1143000" indent="-1143000" algn="l">
               <a:lnSpc>
-                <a:spcPct val="200000"/>
+                <a:spcPct val="150000"/>
               </a:lnSpc>
               <a:buAutoNum type="arabicPeriod"/>
               <a:defRPr sz="2800">
@@ -5816,13 +5835,177 @@
               </a:defRPr>
             </a:pPr>
             <a:r>
-              <a:rPr lang="en-US" sz="5400" dirty="0" smtClean="0">
+              <a:rPr lang="ru-RU" sz="5400" dirty="0" smtClean="0">
                 <a:solidFill>
                   <a:srgbClr val="002060"/>
                 </a:solidFill>
               </a:rPr>
-              <a:t>TODO</a:t>
-            </a:r>
+              <a:t>Выявление ошибок</a:t>
+            </a:r>
+          </a:p>
+          <a:p>
+            <a:pPr marL="1143000" indent="-1143000" algn="l">
+              <a:lnSpc>
+                <a:spcPct val="150000"/>
+              </a:lnSpc>
+              <a:buAutoNum type="arabicPeriod"/>
+              <a:defRPr sz="2800">
+                <a:solidFill>
+                  <a:srgbClr val="253957"/>
+                </a:solidFill>
+                <a:latin typeface="+mn-lt"/>
+                <a:ea typeface="+mn-ea"/>
+                <a:cs typeface="+mn-cs"/>
+                <a:sym typeface="Arial Narrow"/>
+              </a:defRPr>
+            </a:pPr>
+            <a:r>
+              <a:rPr lang="ru-RU" sz="5400" i="1" dirty="0" smtClean="0">
+                <a:solidFill>
+                  <a:srgbClr val="002060"/>
+                </a:solidFill>
+              </a:rPr>
+              <a:t>Выявление проблем производительности/безопасности</a:t>
+            </a:r>
+          </a:p>
+          <a:p>
+            <a:pPr marL="1143000" indent="-1143000" algn="l">
+              <a:lnSpc>
+                <a:spcPct val="150000"/>
+              </a:lnSpc>
+              <a:buAutoNum type="arabicPeriod"/>
+              <a:defRPr sz="2800">
+                <a:solidFill>
+                  <a:srgbClr val="253957"/>
+                </a:solidFill>
+                <a:latin typeface="+mn-lt"/>
+                <a:ea typeface="+mn-ea"/>
+                <a:cs typeface="+mn-cs"/>
+                <a:sym typeface="Arial Narrow"/>
+              </a:defRPr>
+            </a:pPr>
+            <a:r>
+              <a:rPr lang="ru-RU" sz="5400" dirty="0" smtClean="0">
+                <a:solidFill>
+                  <a:srgbClr val="002060"/>
+                </a:solidFill>
+              </a:rPr>
+              <a:t>Проверка полноты реализации требований</a:t>
+            </a:r>
+          </a:p>
+          <a:p>
+            <a:pPr marL="1143000" indent="-1143000" algn="l">
+              <a:lnSpc>
+                <a:spcPct val="150000"/>
+              </a:lnSpc>
+              <a:buAutoNum type="arabicPeriod"/>
+              <a:defRPr sz="2800">
+                <a:solidFill>
+                  <a:srgbClr val="253957"/>
+                </a:solidFill>
+                <a:latin typeface="+mn-lt"/>
+                <a:ea typeface="+mn-ea"/>
+                <a:cs typeface="+mn-cs"/>
+                <a:sym typeface="Arial Narrow"/>
+              </a:defRPr>
+            </a:pPr>
+            <a:r>
+              <a:rPr lang="ru-RU" sz="5400" i="1" dirty="0" smtClean="0">
+                <a:solidFill>
+                  <a:srgbClr val="002060"/>
+                </a:solidFill>
+              </a:rPr>
+              <a:t>Проверка соблюдения стиля и читаемости кода</a:t>
+            </a:r>
+          </a:p>
+          <a:p>
+            <a:pPr marL="1143000" indent="-1143000" algn="l">
+              <a:lnSpc>
+                <a:spcPct val="150000"/>
+              </a:lnSpc>
+              <a:buAutoNum type="arabicPeriod"/>
+              <a:defRPr sz="2800">
+                <a:solidFill>
+                  <a:srgbClr val="253957"/>
+                </a:solidFill>
+                <a:latin typeface="+mn-lt"/>
+                <a:ea typeface="+mn-ea"/>
+                <a:cs typeface="+mn-cs"/>
+                <a:sym typeface="Arial Narrow"/>
+              </a:defRPr>
+            </a:pPr>
+            <a:r>
+              <a:rPr lang="ru-RU" sz="5400" dirty="0" smtClean="0">
+                <a:solidFill>
+                  <a:srgbClr val="002060"/>
+                </a:solidFill>
+              </a:rPr>
+              <a:t>Проверка полноты тестового покрытия</a:t>
+            </a:r>
+          </a:p>
+          <a:p>
+            <a:pPr marL="1143000" indent="-1143000" algn="l">
+              <a:lnSpc>
+                <a:spcPct val="150000"/>
+              </a:lnSpc>
+              <a:buAutoNum type="arabicPeriod"/>
+              <a:defRPr sz="2800">
+                <a:solidFill>
+                  <a:srgbClr val="253957"/>
+                </a:solidFill>
+                <a:latin typeface="+mn-lt"/>
+                <a:ea typeface="+mn-ea"/>
+                <a:cs typeface="+mn-cs"/>
+                <a:sym typeface="Arial Narrow"/>
+              </a:defRPr>
+            </a:pPr>
+            <a:r>
+              <a:rPr lang="ru-RU" sz="5400" i="1" dirty="0" smtClean="0">
+                <a:solidFill>
+                  <a:srgbClr val="002060"/>
+                </a:solidFill>
+              </a:rPr>
+              <a:t>Получение знаний о коде</a:t>
+            </a:r>
+          </a:p>
+          <a:p>
+            <a:pPr marL="1143000" indent="-1143000" algn="l">
+              <a:lnSpc>
+                <a:spcPct val="150000"/>
+              </a:lnSpc>
+              <a:buAutoNum type="arabicPeriod"/>
+              <a:defRPr sz="2800">
+                <a:solidFill>
+                  <a:srgbClr val="253957"/>
+                </a:solidFill>
+                <a:latin typeface="+mn-lt"/>
+                <a:ea typeface="+mn-ea"/>
+                <a:cs typeface="+mn-cs"/>
+                <a:sym typeface="Arial Narrow"/>
+              </a:defRPr>
+            </a:pPr>
+            <a:endParaRPr lang="ru-RU" sz="5400" dirty="0" smtClean="0">
+              <a:solidFill>
+                <a:srgbClr val="002060"/>
+              </a:solidFill>
+            </a:endParaRPr>
+          </a:p>
+          <a:p>
+            <a:pPr marL="1143000" indent="-1143000" algn="l">
+              <a:lnSpc>
+                <a:spcPct val="150000"/>
+              </a:lnSpc>
+              <a:buAutoNum type="arabicPeriod"/>
+              <a:defRPr sz="2800">
+                <a:solidFill>
+                  <a:srgbClr val="253957"/>
+                </a:solidFill>
+                <a:latin typeface="+mn-lt"/>
+                <a:ea typeface="+mn-ea"/>
+                <a:cs typeface="+mn-cs"/>
+                <a:sym typeface="Arial Narrow"/>
+              </a:defRPr>
+            </a:pPr>
             <a:endParaRPr lang="ru-RU" sz="5400" dirty="0" smtClean="0">
               <a:solidFill>
                 <a:srgbClr val="002060"/>
@@ -5850,7 +6033,7 @@
           </a:ln>
           <a:extLst>
             <a:ext uri="{C572A759-6A51-4108-AA02-DFA0A04FC94B}">
-              <ma14:wrappingTextBoxFlag xmlns="" xmlns:m="http://schemas.openxmlformats.org/officeDocument/2006/math" xmlns:a14="http://schemas.microsoft.com/office/drawing/2010/main" xmlns:ma14="http://schemas.microsoft.com/office/mac/drawingml/2011/main" val="1"/>
+              <ma14:wrappingTextBoxFlag xmlns:ma14="http://schemas.microsoft.com/office/mac/drawingml/2011/main" xmlns:a14="http://schemas.microsoft.com/office/drawing/2010/main" xmlns:m="http://schemas.openxmlformats.org/officeDocument/2006/math" xmlns="" val="1"/>
             </a:ext>
           </a:extLst>
         </p:spPr>
@@ -5993,7 +6176,7 @@
           </a:ln>
           <a:extLst>
             <a:ext uri="{C572A759-6A51-4108-AA02-DFA0A04FC94B}">
-              <ma14:wrappingTextBoxFlag xmlns="" xmlns:m="http://schemas.openxmlformats.org/officeDocument/2006/math" xmlns:a14="http://schemas.microsoft.com/office/drawing/2010/main" xmlns:ma14="http://schemas.microsoft.com/office/mac/drawingml/2011/main" val="1"/>
+              <ma14:wrappingTextBoxFlag xmlns:ma14="http://schemas.microsoft.com/office/mac/drawingml/2011/main" xmlns:a14="http://schemas.microsoft.com/office/drawing/2010/main" xmlns:m="http://schemas.openxmlformats.org/officeDocument/2006/math" xmlns="" val="1"/>
             </a:ext>
           </a:extLst>
         </p:spPr>
@@ -6039,7 +6222,7 @@
           </a:ln>
           <a:extLst>
             <a:ext uri="{C572A759-6A51-4108-AA02-DFA0A04FC94B}">
-              <ma14:wrappingTextBoxFlag xmlns="" xmlns:m="http://schemas.openxmlformats.org/officeDocument/2006/math" xmlns:a14="http://schemas.microsoft.com/office/drawing/2010/main" xmlns:ma14="http://schemas.microsoft.com/office/mac/drawingml/2011/main" val="1"/>
+              <ma14:wrappingTextBoxFlag xmlns:ma14="http://schemas.microsoft.com/office/mac/drawingml/2011/main" xmlns:a14="http://schemas.microsoft.com/office/drawing/2010/main" xmlns:m="http://schemas.openxmlformats.org/officeDocument/2006/math" xmlns="" val="1"/>
             </a:ext>
           </a:extLst>
         </p:spPr>
@@ -6047,9 +6230,9 @@
           <a:bodyPr lIns="71437" tIns="71437" rIns="71437" bIns="71437"/>
           <a:lstStyle/>
           <a:p>
-            <a:pPr marL="1143000" indent="-1143000" algn="l">
+            <a:pPr marL="1143000" lvl="1" indent="-1143000" algn="l">
               <a:lnSpc>
-                <a:spcPct val="200000"/>
+                <a:spcPct val="130000"/>
               </a:lnSpc>
               <a:buAutoNum type="arabicPeriod"/>
               <a:defRPr sz="2800">
@@ -6063,12 +6246,443 @@
               </a:defRPr>
             </a:pPr>
             <a:r>
+              <a:rPr lang="en-US" sz="5400" dirty="0" err="1">
+                <a:solidFill>
+                  <a:srgbClr val="002060"/>
+                </a:solidFill>
+              </a:rPr>
+              <a:t>Checkstyle</a:t>
+            </a:r>
+            <a:r>
+              <a:rPr lang="en-US" sz="5400" dirty="0">
+                <a:solidFill>
+                  <a:srgbClr val="002060"/>
+                </a:solidFill>
+              </a:rPr>
+              <a:t> – </a:t>
+            </a:r>
+            <a:r>
+              <a:rPr lang="en-US" sz="5400" dirty="0">
+                <a:solidFill>
+                  <a:srgbClr val="002060"/>
+                </a:solidFill>
+                <a:hlinkClick r:id="rId2"/>
+              </a:rPr>
+              <a:t>http://checkstyle.sourceforge.net</a:t>
+            </a:r>
+            <a:r>
               <a:rPr lang="en-US" sz="5400" dirty="0" smtClean="0">
                 <a:solidFill>
                   <a:srgbClr val="002060"/>
                 </a:solidFill>
+                <a:hlinkClick r:id="rId2"/>
               </a:rPr>
-              <a:t>TODO</a:t>
+              <a:t>/</a:t>
+            </a:r>
+            <a:endParaRPr lang="ru-RU" sz="5400" dirty="0" smtClean="0">
+              <a:solidFill>
+                <a:srgbClr val="002060"/>
+              </a:solidFill>
+            </a:endParaRPr>
+          </a:p>
+          <a:p>
+            <a:pPr marL="1143000" lvl="1" indent="-1143000" algn="l">
+              <a:lnSpc>
+                <a:spcPct val="130000"/>
+              </a:lnSpc>
+              <a:buAutoNum type="arabicPeriod"/>
+              <a:defRPr sz="2800">
+                <a:solidFill>
+                  <a:srgbClr val="253957"/>
+                </a:solidFill>
+                <a:latin typeface="+mn-lt"/>
+                <a:ea typeface="+mn-ea"/>
+                <a:cs typeface="+mn-cs"/>
+                <a:sym typeface="Arial Narrow"/>
+              </a:defRPr>
+            </a:pPr>
+            <a:r>
+              <a:rPr lang="en-US" sz="5400" dirty="0" err="1" smtClean="0">
+                <a:solidFill>
+                  <a:srgbClr val="002060"/>
+                </a:solidFill>
+              </a:rPr>
+              <a:t>FindBugs</a:t>
+            </a:r>
+            <a:r>
+              <a:rPr lang="en-US" sz="5400" dirty="0" smtClean="0">
+                <a:solidFill>
+                  <a:srgbClr val="002060"/>
+                </a:solidFill>
+              </a:rPr>
+              <a:t> </a:t>
+            </a:r>
+            <a:r>
+              <a:rPr lang="en-US" sz="5400" dirty="0">
+                <a:solidFill>
+                  <a:srgbClr val="002060"/>
+                </a:solidFill>
+              </a:rPr>
+              <a:t>- Find Bugs in Java Programs – </a:t>
+            </a:r>
+            <a:r>
+              <a:rPr lang="en-US" sz="5400" dirty="0">
+                <a:solidFill>
+                  <a:srgbClr val="002060"/>
+                </a:solidFill>
+                <a:hlinkClick r:id="rId3"/>
+              </a:rPr>
+              <a:t>http://findbugs.sourceforge.net</a:t>
+            </a:r>
+            <a:r>
+              <a:rPr lang="en-US" sz="5400" dirty="0" smtClean="0">
+                <a:solidFill>
+                  <a:srgbClr val="002060"/>
+                </a:solidFill>
+                <a:hlinkClick r:id="rId3"/>
+              </a:rPr>
+              <a:t>/</a:t>
+            </a:r>
+            <a:endParaRPr lang="ru-RU" sz="5400" dirty="0" smtClean="0">
+              <a:solidFill>
+                <a:srgbClr val="002060"/>
+              </a:solidFill>
+            </a:endParaRPr>
+          </a:p>
+          <a:p>
+            <a:pPr marL="1143000" lvl="1" indent="-1143000" algn="l">
+              <a:lnSpc>
+                <a:spcPct val="130000"/>
+              </a:lnSpc>
+              <a:buAutoNum type="arabicPeriod"/>
+              <a:defRPr sz="2800">
+                <a:solidFill>
+                  <a:srgbClr val="253957"/>
+                </a:solidFill>
+                <a:latin typeface="+mn-lt"/>
+                <a:ea typeface="+mn-ea"/>
+                <a:cs typeface="+mn-cs"/>
+                <a:sym typeface="Arial Narrow"/>
+              </a:defRPr>
+            </a:pPr>
+            <a:r>
+              <a:rPr lang="en-US" sz="5400" dirty="0" smtClean="0">
+                <a:solidFill>
+                  <a:srgbClr val="002060"/>
+                </a:solidFill>
+              </a:rPr>
+              <a:t>PMD </a:t>
+            </a:r>
+            <a:r>
+              <a:rPr lang="en-US" sz="5400" dirty="0">
+                <a:solidFill>
+                  <a:srgbClr val="002060"/>
+                </a:solidFill>
+              </a:rPr>
+              <a:t>source code analyzer – </a:t>
+            </a:r>
+            <a:r>
+              <a:rPr lang="en-US" sz="5400" dirty="0">
+                <a:solidFill>
+                  <a:srgbClr val="002060"/>
+                </a:solidFill>
+                <a:hlinkClick r:id="rId4"/>
+              </a:rPr>
+              <a:t>https://pmd.github.io</a:t>
+            </a:r>
+            <a:r>
+              <a:rPr lang="en-US" sz="5400" dirty="0" smtClean="0">
+                <a:solidFill>
+                  <a:srgbClr val="002060"/>
+                </a:solidFill>
+                <a:hlinkClick r:id="rId4"/>
+              </a:rPr>
+              <a:t>/</a:t>
+            </a:r>
+            <a:endParaRPr lang="ru-RU" sz="5400" dirty="0" smtClean="0">
+              <a:solidFill>
+                <a:srgbClr val="002060"/>
+              </a:solidFill>
+            </a:endParaRPr>
+          </a:p>
+          <a:p>
+            <a:pPr marL="1143000" lvl="1" indent="-1143000" algn="l">
+              <a:lnSpc>
+                <a:spcPct val="130000"/>
+              </a:lnSpc>
+              <a:buAutoNum type="arabicPeriod"/>
+              <a:defRPr sz="2800">
+                <a:solidFill>
+                  <a:srgbClr val="253957"/>
+                </a:solidFill>
+                <a:latin typeface="+mn-lt"/>
+                <a:ea typeface="+mn-ea"/>
+                <a:cs typeface="+mn-cs"/>
+                <a:sym typeface="Arial Narrow"/>
+              </a:defRPr>
+            </a:pPr>
+            <a:r>
+              <a:rPr lang="ru-RU" sz="5400" dirty="0" smtClean="0">
+                <a:solidFill>
+                  <a:srgbClr val="002060"/>
+                </a:solidFill>
+              </a:rPr>
+              <a:t>Статический </a:t>
+            </a:r>
+            <a:r>
+              <a:rPr lang="ru-RU" sz="5400" dirty="0">
+                <a:solidFill>
+                  <a:srgbClr val="002060"/>
+                </a:solidFill>
+              </a:rPr>
+              <a:t>анализатор </a:t>
+            </a:r>
+            <a:r>
+              <a:rPr lang="en-US" sz="5400" dirty="0" err="1">
+                <a:solidFill>
+                  <a:srgbClr val="002060"/>
+                </a:solidFill>
+              </a:rPr>
+              <a:t>Svace</a:t>
+            </a:r>
+            <a:r>
+              <a:rPr lang="en-US" sz="5400" dirty="0">
+                <a:solidFill>
+                  <a:srgbClr val="002060"/>
+                </a:solidFill>
+              </a:rPr>
+              <a:t> – </a:t>
+            </a:r>
+            <a:r>
+              <a:rPr lang="en-US" sz="5400" dirty="0">
+                <a:solidFill>
+                  <a:srgbClr val="002060"/>
+                </a:solidFill>
+                <a:hlinkClick r:id="rId5"/>
+              </a:rPr>
+              <a:t>http://www.ispras.ru/technologies/svace</a:t>
+            </a:r>
+            <a:r>
+              <a:rPr lang="en-US" sz="5400" dirty="0" smtClean="0">
+                <a:solidFill>
+                  <a:srgbClr val="002060"/>
+                </a:solidFill>
+                <a:hlinkClick r:id="rId5"/>
+              </a:rPr>
+              <a:t>/</a:t>
+            </a:r>
+            <a:endParaRPr lang="ru-RU" sz="5400" dirty="0" smtClean="0">
+              <a:solidFill>
+                <a:srgbClr val="002060"/>
+              </a:solidFill>
+            </a:endParaRPr>
+          </a:p>
+          <a:p>
+            <a:pPr marL="1143000" lvl="1" indent="-1143000" algn="l">
+              <a:lnSpc>
+                <a:spcPct val="130000"/>
+              </a:lnSpc>
+              <a:buAutoNum type="arabicPeriod"/>
+              <a:defRPr sz="2800">
+                <a:solidFill>
+                  <a:srgbClr val="253957"/>
+                </a:solidFill>
+                <a:latin typeface="+mn-lt"/>
+                <a:ea typeface="+mn-ea"/>
+                <a:cs typeface="+mn-cs"/>
+                <a:sym typeface="Arial Narrow"/>
+              </a:defRPr>
+            </a:pPr>
+            <a:r>
+              <a:rPr lang="ru-RU" sz="5400" dirty="0" smtClean="0">
+                <a:solidFill>
+                  <a:srgbClr val="002060"/>
+                </a:solidFill>
+              </a:rPr>
+              <a:t>Анализатор </a:t>
+            </a:r>
+            <a:r>
+              <a:rPr lang="en-US" sz="5400" dirty="0">
+                <a:solidFill>
+                  <a:srgbClr val="002060"/>
+                </a:solidFill>
+              </a:rPr>
+              <a:t>PVS-Studio – </a:t>
+            </a:r>
+            <a:r>
+              <a:rPr lang="en-US" sz="5400" dirty="0">
+                <a:solidFill>
+                  <a:srgbClr val="002060"/>
+                </a:solidFill>
+                <a:hlinkClick r:id="rId6"/>
+              </a:rPr>
+              <a:t>https://</a:t>
+            </a:r>
+            <a:r>
+              <a:rPr lang="en-US" sz="5400" dirty="0" smtClean="0">
+                <a:solidFill>
+                  <a:srgbClr val="002060"/>
+                </a:solidFill>
+                <a:hlinkClick r:id="rId6"/>
+              </a:rPr>
+              <a:t>www.viva64.com/ru/pvs-studio/</a:t>
+            </a:r>
+            <a:endParaRPr lang="ru-RU" sz="5400" dirty="0" smtClean="0">
+              <a:solidFill>
+                <a:srgbClr val="002060"/>
+              </a:solidFill>
+            </a:endParaRPr>
+          </a:p>
+          <a:p>
+            <a:pPr marL="1143000" lvl="1" indent="-1143000" algn="l">
+              <a:lnSpc>
+                <a:spcPct val="130000"/>
+              </a:lnSpc>
+              <a:buAutoNum type="arabicPeriod"/>
+              <a:defRPr sz="2800">
+                <a:solidFill>
+                  <a:srgbClr val="253957"/>
+                </a:solidFill>
+                <a:latin typeface="+mn-lt"/>
+                <a:ea typeface="+mn-ea"/>
+                <a:cs typeface="+mn-cs"/>
+                <a:sym typeface="Arial Narrow"/>
+              </a:defRPr>
+            </a:pPr>
+            <a:r>
+              <a:rPr lang="en-US" sz="5400" dirty="0" err="1" smtClean="0">
+                <a:solidFill>
+                  <a:srgbClr val="002060"/>
+                </a:solidFill>
+              </a:rPr>
+              <a:t>Coverity</a:t>
+            </a:r>
+            <a:r>
+              <a:rPr lang="en-US" sz="5400" dirty="0" smtClean="0">
+                <a:solidFill>
+                  <a:srgbClr val="002060"/>
+                </a:solidFill>
+              </a:rPr>
+              <a:t> - </a:t>
+            </a:r>
+            <a:r>
+              <a:rPr lang="en-US" sz="5400" dirty="0" smtClean="0">
+                <a:solidFill>
+                  <a:srgbClr val="002060"/>
+                </a:solidFill>
+                <a:hlinkClick r:id="rId7"/>
+              </a:rPr>
+              <a:t>https://scan.coverity.com</a:t>
+            </a:r>
+            <a:endParaRPr lang="ru-RU" sz="5400" dirty="0" smtClean="0">
+              <a:solidFill>
+                <a:srgbClr val="002060"/>
+              </a:solidFill>
+            </a:endParaRPr>
+          </a:p>
+          <a:p>
+            <a:pPr marL="1143000" lvl="1" indent="-1143000" algn="l">
+              <a:lnSpc>
+                <a:spcPct val="130000"/>
+              </a:lnSpc>
+              <a:buAutoNum type="arabicPeriod"/>
+              <a:defRPr sz="2800">
+                <a:solidFill>
+                  <a:srgbClr val="253957"/>
+                </a:solidFill>
+                <a:latin typeface="+mn-lt"/>
+                <a:ea typeface="+mn-ea"/>
+                <a:cs typeface="+mn-cs"/>
+                <a:sym typeface="Arial Narrow"/>
+              </a:defRPr>
+            </a:pPr>
+            <a:r>
+              <a:rPr lang="en-US" sz="5400" dirty="0" err="1" smtClean="0">
+                <a:solidFill>
+                  <a:srgbClr val="002060"/>
+                </a:solidFill>
+              </a:rPr>
+              <a:t>Pylint</a:t>
+            </a:r>
+            <a:r>
+              <a:rPr lang="en-US" sz="5400" dirty="0" smtClean="0">
+                <a:solidFill>
+                  <a:srgbClr val="002060"/>
+                </a:solidFill>
+              </a:rPr>
+              <a:t> </a:t>
+            </a:r>
+            <a:r>
+              <a:rPr lang="en-US" sz="5400" dirty="0">
+                <a:solidFill>
+                  <a:srgbClr val="002060"/>
+                </a:solidFill>
+              </a:rPr>
+              <a:t>- </a:t>
+            </a:r>
+            <a:r>
+              <a:rPr lang="en-US" sz="5400" dirty="0">
+                <a:solidFill>
+                  <a:srgbClr val="002060"/>
+                </a:solidFill>
+                <a:hlinkClick r:id="rId8"/>
+              </a:rPr>
+              <a:t>https://</a:t>
+            </a:r>
+            <a:r>
+              <a:rPr lang="en-US" sz="5400" dirty="0" smtClean="0">
+                <a:solidFill>
+                  <a:srgbClr val="002060"/>
+                </a:solidFill>
+                <a:hlinkClick r:id="rId8"/>
+              </a:rPr>
+              <a:t>www.pylint.org</a:t>
+            </a:r>
+            <a:endParaRPr lang="en-US" sz="5400" dirty="0" smtClean="0">
+              <a:solidFill>
+                <a:srgbClr val="002060"/>
+              </a:solidFill>
+            </a:endParaRPr>
+          </a:p>
+          <a:p>
+            <a:pPr marL="1143000" lvl="1" indent="-1143000" algn="l">
+              <a:lnSpc>
+                <a:spcPct val="130000"/>
+              </a:lnSpc>
+              <a:buAutoNum type="arabicPeriod"/>
+              <a:defRPr sz="2800">
+                <a:solidFill>
+                  <a:srgbClr val="253957"/>
+                </a:solidFill>
+                <a:latin typeface="+mn-lt"/>
+                <a:ea typeface="+mn-ea"/>
+                <a:cs typeface="+mn-cs"/>
+                <a:sym typeface="Arial Narrow"/>
+              </a:defRPr>
+            </a:pPr>
+            <a:r>
+              <a:rPr lang="ru-RU" sz="5400" dirty="0" smtClean="0">
+                <a:solidFill>
+                  <a:srgbClr val="002060"/>
+                </a:solidFill>
+              </a:rPr>
+              <a:t>и </a:t>
+            </a:r>
+            <a:r>
+              <a:rPr lang="ru-RU" sz="5400" dirty="0" err="1" smtClean="0">
+                <a:solidFill>
+                  <a:srgbClr val="002060"/>
+                </a:solidFill>
+              </a:rPr>
+              <a:t>д.р</a:t>
+            </a:r>
+            <a:r>
+              <a:rPr lang="ru-RU" sz="5400" dirty="0" smtClean="0">
+                <a:solidFill>
+                  <a:srgbClr val="002060"/>
+                </a:solidFill>
+              </a:rPr>
+              <a:t>.</a:t>
             </a:r>
             <a:endParaRPr lang="ru-RU" sz="5400" dirty="0" smtClean="0">
               <a:solidFill>
@@ -6097,7 +6711,7 @@
           </a:ln>
           <a:extLst>
             <a:ext uri="{C572A759-6A51-4108-AA02-DFA0A04FC94B}">
-              <ma14:wrappingTextBoxFlag xmlns="" xmlns:m="http://schemas.openxmlformats.org/officeDocument/2006/math" xmlns:a14="http://schemas.microsoft.com/office/drawing/2010/main" xmlns:ma14="http://schemas.microsoft.com/office/mac/drawingml/2011/main" val="1"/>
+              <ma14:wrappingTextBoxFlag xmlns:ma14="http://schemas.microsoft.com/office/mac/drawingml/2011/main" xmlns:a14="http://schemas.microsoft.com/office/drawing/2010/main" xmlns:m="http://schemas.openxmlformats.org/officeDocument/2006/math" xmlns="" val="1"/>
             </a:ext>
           </a:extLst>
         </p:spPr>
@@ -6136,7 +6750,7 @@
           <p:nvPr/>
         </p:nvPicPr>
         <p:blipFill>
-          <a:blip r:embed="rId2" cstate="print">
+          <a:blip r:embed="rId9" cstate="print">
             <a:extLst/>
           </a:blip>
           <a:stretch>
@@ -6240,7 +6854,7 @@
           </a:ln>
           <a:extLst>
             <a:ext uri="{C572A759-6A51-4108-AA02-DFA0A04FC94B}">
-              <ma14:wrappingTextBoxFlag xmlns="" xmlns:m="http://schemas.openxmlformats.org/officeDocument/2006/math" xmlns:a14="http://schemas.microsoft.com/office/drawing/2010/main" xmlns:ma14="http://schemas.microsoft.com/office/mac/drawingml/2011/main" val="1"/>
+              <ma14:wrappingTextBoxFlag xmlns:ma14="http://schemas.microsoft.com/office/mac/drawingml/2011/main" xmlns:a14="http://schemas.microsoft.com/office/drawing/2010/main" xmlns:m="http://schemas.openxmlformats.org/officeDocument/2006/math" xmlns="" val="1"/>
             </a:ext>
           </a:extLst>
         </p:spPr>
@@ -6286,7 +6900,7 @@
           </a:ln>
           <a:extLst>
             <a:ext uri="{C572A759-6A51-4108-AA02-DFA0A04FC94B}">
-              <ma14:wrappingTextBoxFlag xmlns="" xmlns:m="http://schemas.openxmlformats.org/officeDocument/2006/math" xmlns:a14="http://schemas.microsoft.com/office/drawing/2010/main" xmlns:ma14="http://schemas.microsoft.com/office/mac/drawingml/2011/main" val="1"/>
+              <ma14:wrappingTextBoxFlag xmlns:ma14="http://schemas.microsoft.com/office/mac/drawingml/2011/main" xmlns:a14="http://schemas.microsoft.com/office/drawing/2010/main" xmlns:m="http://schemas.openxmlformats.org/officeDocument/2006/math" xmlns="" val="1"/>
             </a:ext>
           </a:extLst>
         </p:spPr>
@@ -6533,7 +7147,7 @@
           </a:ln>
           <a:extLst>
             <a:ext uri="{C572A759-6A51-4108-AA02-DFA0A04FC94B}">
-              <ma14:wrappingTextBoxFlag xmlns="" xmlns:m="http://schemas.openxmlformats.org/officeDocument/2006/math" xmlns:a14="http://schemas.microsoft.com/office/drawing/2010/main" xmlns:ma14="http://schemas.microsoft.com/office/mac/drawingml/2011/main" val="1"/>
+              <ma14:wrappingTextBoxFlag xmlns:ma14="http://schemas.microsoft.com/office/mac/drawingml/2011/main" xmlns:a14="http://schemas.microsoft.com/office/drawing/2010/main" xmlns:m="http://schemas.openxmlformats.org/officeDocument/2006/math" xmlns="" val="1"/>
             </a:ext>
           </a:extLst>
         </p:spPr>
@@ -6673,7 +7287,7 @@
           </a:ln>
           <a:extLst>
             <a:ext uri="{C572A759-6A51-4108-AA02-DFA0A04FC94B}">
-              <ma14:wrappingTextBoxFlag xmlns="" xmlns:m="http://schemas.openxmlformats.org/officeDocument/2006/math" xmlns:a14="http://schemas.microsoft.com/office/drawing/2010/main" xmlns:ma14="http://schemas.microsoft.com/office/mac/drawingml/2011/main" val="1"/>
+              <ma14:wrappingTextBoxFlag xmlns:ma14="http://schemas.microsoft.com/office/mac/drawingml/2011/main" xmlns:a14="http://schemas.microsoft.com/office/drawing/2010/main" xmlns:m="http://schemas.openxmlformats.org/officeDocument/2006/math" xmlns="" val="1"/>
             </a:ext>
           </a:extLst>
         </p:spPr>
